--- a/lectures/lecture-17/Lecture-Live B00/Lecture 17 - Lecture.pptx
+++ b/lectures/lecture-17/Lecture-Live B00/Lecture 17 - Lecture.pptx
@@ -142,6 +142,615 @@
     </p:ext>
   </p:extLst>
 </p:presentation>
+</file>
+
+<file path=ppt/ink/ink1.xml><?xml version="1.0" encoding="utf-8"?>
+<inkml:ink xmlns:inkml="http://www.w3.org/2003/InkML">
+  <inkml:definitions>
+    <inkml:context xml:id="ctx0">
+      <inkml:inkSource xml:id="inkSrc0">
+        <inkml:traceFormat>
+          <inkml:channel name="X" type="integer" min="-2.14748E9" max="2.14748E9" units="cm"/>
+          <inkml:channel name="Y" type="integer" min="-2.14748E9" max="2.14748E9" units="cm"/>
+          <inkml:channel name="F" type="integer" max="32767" units="dev"/>
+          <inkml:channel name="OA" type="integer" max="360" units="deg"/>
+          <inkml:channel name="OE" type="integer" max="90" units="deg"/>
+        </inkml:traceFormat>
+        <inkml:channelProperties>
+          <inkml:channelProperty channel="X" name="resolution" value="1000" units="1/cm"/>
+          <inkml:channelProperty channel="Y" name="resolution" value="1000" units="1/cm"/>
+          <inkml:channelProperty channel="F" name="resolution" value="0" units="1/dev"/>
+          <inkml:channelProperty channel="OA" name="resolution" value="1000" units="1/deg"/>
+          <inkml:channelProperty channel="OE" name="resolution" value="1000" units="1/deg"/>
+        </inkml:channelProperties>
+      </inkml:inkSource>
+      <inkml:timestamp xml:id="ts0" timeString="2020-11-13T18:00:35.985"/>
+    </inkml:context>
+    <inkml:brush xml:id="br0">
+      <inkml:brushProperty name="width" value="0.05" units="cm"/>
+      <inkml:brushProperty name="height" value="0.05" units="cm"/>
+      <inkml:brushProperty name="color" value="#004F8B"/>
+    </inkml:brush>
+  </inkml:definitions>
+  <inkml:trace contextRef="#ctx0" brushRef="#br0">32 0 8952 0 0,'-8'8'516'0'0,"-16"-4"8154"0"0,39 0-5529 0 0,167 34 1047 0 0,-96-23-3464 0 0,251 29 1452 0 0,-47-43-823 0 0,-183-5-906 0 0,124-5 222 0 0,67-1 182 0 0,114 12-734 0 0,-348 3 357 0 0,-1 0-49 0 0,-25-7-576 0 0,-37 2 305 0 0</inkml:trace>
+</inkml:ink>
+</file>
+
+<file path=ppt/ink/ink10.xml><?xml version="1.0" encoding="utf-8"?>
+<inkml:ink xmlns:inkml="http://www.w3.org/2003/InkML">
+  <inkml:definitions>
+    <inkml:context xml:id="ctx0">
+      <inkml:inkSource xml:id="inkSrc0">
+        <inkml:traceFormat>
+          <inkml:channel name="X" type="integer" min="-2.14748E9" max="2.14748E9" units="cm"/>
+          <inkml:channel name="Y" type="integer" min="-2.14748E9" max="2.14748E9" units="cm"/>
+          <inkml:channel name="F" type="integer" max="32767" units="dev"/>
+          <inkml:channel name="OA" type="integer" max="360" units="deg"/>
+          <inkml:channel name="OE" type="integer" max="90" units="deg"/>
+        </inkml:traceFormat>
+        <inkml:channelProperties>
+          <inkml:channelProperty channel="X" name="resolution" value="1000" units="1/cm"/>
+          <inkml:channelProperty channel="Y" name="resolution" value="1000" units="1/cm"/>
+          <inkml:channelProperty channel="F" name="resolution" value="0" units="1/dev"/>
+          <inkml:channelProperty channel="OA" name="resolution" value="1000" units="1/deg"/>
+          <inkml:channelProperty channel="OE" name="resolution" value="1000" units="1/deg"/>
+        </inkml:channelProperties>
+      </inkml:inkSource>
+      <inkml:timestamp xml:id="ts0" timeString="2020-11-13T18:00:51.934"/>
+    </inkml:context>
+    <inkml:brush xml:id="br0">
+      <inkml:brushProperty name="width" value="0.05" units="cm"/>
+      <inkml:brushProperty name="height" value="0.05" units="cm"/>
+      <inkml:brushProperty name="color" value="#004F8B"/>
+    </inkml:brush>
+  </inkml:definitions>
+  <inkml:trace contextRef="#ctx0" brushRef="#br0">0 65 7832 0 0,'10'0'12027'0'0,"4"0"-10503"0"0,0-1-1 0 0,20-5 0 0 0,62-20-22 0 0,-20 5-120 0 0,-63 18-1254 0 0,-8 1-74 0 0,1 0 0 0 0,0 1-1 0 0,-1 0 1 0 0,1 0-1 0 0,0 1 1 0 0,0 0 0 0 0,9 0-1 0 0,-14 0-48 0 0,0 0 0 0 0,0 1 0 0 0,0-1 0 0 0,-1 0-1 0 0,1 1 1 0 0,0-1 0 0 0,0 0 0 0 0,-1 1 0 0 0,1-1 0 0 0,0 1 0 0 0,-1-1-1 0 0,1 1 1 0 0,0 0 0 0 0,-1-1 0 0 0,1 1 0 0 0,-1 0 0 0 0,1-1-1 0 0,-1 1 1 0 0,1 0 0 0 0,-1-1 0 0 0,0 1 0 0 0,1 0 0 0 0,-1 0 0 0 0,0-1-1 0 0,0 1 1 0 0,1 0 0 0 0,-1 0 0 0 0,0 0 0 0 0,0 0 0 0 0,0-1 0 0 0,0 1-1 0 0,0 0 1 0 0,0 0 0 0 0,0 0 0 0 0,0 0 0 0 0,0-1 0 0 0,-1 1 0 0 0,1 0-1 0 0,0 0 1 0 0,-1 1 0 0 0,-1 4 26 0 0,-1 1 1 0 0,1-1-1 0 0,-7 11 0 0 0,8-16-22 0 0,-10 20 29 0 0,-2-1 0 0 0,0-1 1 0 0,-22 26-1 0 0,-24 28-142 0 0,31-36-366 0 0,26-35 482 0 0,0 0 0 0 0,1 0 0 0 0,0 0-1 0 0,-1 0 1 0 0,1 1 0 0 0,0-1 0 0 0,0 0 0 0 0,0 1 0 0 0,1-1-1 0 0,-1 1 1 0 0,0-1 0 0 0,1 1 0 0 0,0-1 0 0 0,0 1 0 0 0,0 3-1 0 0,0-6 34 0 0,0 1-1 0 0,1 0 0 0 0,0 0 0 0 0,-1 0 0 0 0,1-1 0 0 0,-1 1 0 0 0,1 0 1 0 0,0-1-1 0 0,0 1 0 0 0,-1-1 0 0 0,1 1 0 0 0,0-1 0 0 0,0 1 0 0 0,0-1 1 0 0,-1 0-1 0 0,1 1 0 0 0,2-1 0 0 0,16 6 350 0 0,-10-7-283 0 0,0-1 1 0 0,0-1-1 0 0,0 1 1 0 0,0-1-1 0 0,0-1 1 0 0,12-6-1 0 0,8-6-785 0 0,-2-1 0 0 0,27-22-1 0 0,-33 23-952 0 0,-4 4 462 0 0</inkml:trace>
+</inkml:ink>
+</file>
+
+<file path=ppt/ink/ink11.xml><?xml version="1.0" encoding="utf-8"?>
+<inkml:ink xmlns:inkml="http://www.w3.org/2003/InkML">
+  <inkml:definitions>
+    <inkml:context xml:id="ctx0">
+      <inkml:inkSource xml:id="inkSrc0">
+        <inkml:traceFormat>
+          <inkml:channel name="X" type="integer" min="-2.14748E9" max="2.14748E9" units="cm"/>
+          <inkml:channel name="Y" type="integer" min="-2.14748E9" max="2.14748E9" units="cm"/>
+          <inkml:channel name="F" type="integer" max="32767" units="dev"/>
+          <inkml:channel name="OA" type="integer" max="360" units="deg"/>
+          <inkml:channel name="OE" type="integer" max="90" units="deg"/>
+        </inkml:traceFormat>
+        <inkml:channelProperties>
+          <inkml:channelProperty channel="X" name="resolution" value="1000" units="1/cm"/>
+          <inkml:channelProperty channel="Y" name="resolution" value="1000" units="1/cm"/>
+          <inkml:channelProperty channel="F" name="resolution" value="0" units="1/dev"/>
+          <inkml:channelProperty channel="OA" name="resolution" value="1000" units="1/deg"/>
+          <inkml:channelProperty channel="OE" name="resolution" value="1000" units="1/deg"/>
+        </inkml:channelProperties>
+      </inkml:inkSource>
+      <inkml:timestamp xml:id="ts0" timeString="2020-11-13T18:00:52.296"/>
+    </inkml:context>
+    <inkml:brush xml:id="br0">
+      <inkml:brushProperty name="width" value="0.05" units="cm"/>
+      <inkml:brushProperty name="height" value="0.05" units="cm"/>
+      <inkml:brushProperty name="color" value="#004F8B"/>
+    </inkml:brush>
+  </inkml:definitions>
+  <inkml:trace contextRef="#ctx0" brushRef="#br0">0 50 17047 0 0,'0'0'1776'0'0,"7"-1"-1448"0"0,-3 0 527 0 0,0-1-1 0 0,0 0 0 0 0,-1 0 0 0 0,7-4 0 0 0,9-5 1813 0 0,-10 6-2249 0 0,1 1 1 0 0,-1 1-1 0 0,1 0 0 0 0,0 0 1 0 0,0 1-1 0 0,0 0 1 0 0,18-1-1 0 0,-28 3-417 0 0,1 0-1 0 0,0 0 1 0 0,-1 0-1 0 0,1 1 0 0 0,0-1 1 0 0,0 0-1 0 0,-1 0 0 0 0,1 0 1 0 0,0 1-1 0 0,-1-1 0 0 0,1 0 1 0 0,-1 1-1 0 0,1-1 1 0 0,0 1-1 0 0,-1-1 0 0 0,1 0 1 0 0,-1 1-1 0 0,1 0 0 0 0,-1-1 1 0 0,1 1-1 0 0,-1-1 0 0 0,0 1 1 0 0,1-1-1 0 0,-1 1 1 0 0,0 0-1 0 0,1-1 0 0 0,-1 1 1 0 0,0 0-1 0 0,0-1 0 0 0,1 1 1 0 0,-1 0-1 0 0,0-1 0 0 0,0 1 1 0 0,0 0-1 0 0,0 0 1 0 0,0-1-1 0 0,0 1 0 0 0,0 0 1 0 0,0-1-1 0 0,0 1 0 0 0,-1 1 1 0 0,1 1-10 0 0,-1 0 0 0 0,1 0 0 0 0,-1 0 0 0 0,0 0 0 0 0,0 0 0 0 0,0 0 0 0 0,-3 5 0 0 0,1-4-10 0 0,-84 139-271 0 0,81-128 290 0 0,6-14 0 0 0,0-1 0 0 0,0 1 0 0 0,0-1 0 0 0,0 1 0 0 0,0-1 0 0 0,0 1 0 0 0,0-1 0 0 0,0 1 0 0 0,0-1 0 0 0,0 1 0 0 0,0-1 0 0 0,0 1 0 0 0,0-1 0 0 0,1 1 0 0 0,-1-1 0 0 0,0 1 0 0 0,0-1 0 0 0,1 1 0 0 0,-1-1 0 0 0,0 0 0 0 0,0 1 0 0 0,1-1 0 0 0,-1 1 0 0 0,1-1 0 0 0,-1 0 0 0 0,0 1 0 0 0,1-1 0 0 0,-1 0 0 0 0,1 0 0 0 0,-1 1 0 0 0,1-1 0 0 0,-1 0 0 0 0,1 1 0 0 0,0-1 0 0 0,0 1 0 0 0,1-1 0 0 0,-1 1 1 0 0,1 0-1 0 0,0-1 0 0 0,-1 1 0 0 0,1-1 0 0 0,0 0 1 0 0,-1 1-1 0 0,1-1 0 0 0,0 0 0 0 0,-1 0 0 0 0,1 0 0 0 0,0 0 1 0 0,0 0-1 0 0,-1-1 0 0 0,4 0 0 0 0,29-10-20 0 0,-23 7-31 0 0,9-4-551 0 0,-1-1 1 0 0,26-17-1 0 0,15-6-2917 0 0,-33 19 475 0 0,-1 1-4695 0 0</inkml:trace>
+</inkml:ink>
+</file>
+
+<file path=ppt/ink/ink12.xml><?xml version="1.0" encoding="utf-8"?>
+<inkml:ink xmlns:inkml="http://www.w3.org/2003/InkML">
+  <inkml:definitions>
+    <inkml:context xml:id="ctx0">
+      <inkml:inkSource xml:id="inkSrc0">
+        <inkml:traceFormat>
+          <inkml:channel name="X" type="integer" min="-2.14748E9" max="2.14748E9" units="cm"/>
+          <inkml:channel name="Y" type="integer" min="-2.14748E9" max="2.14748E9" units="cm"/>
+          <inkml:channel name="F" type="integer" max="32767" units="dev"/>
+          <inkml:channel name="OA" type="integer" max="360" units="deg"/>
+          <inkml:channel name="OE" type="integer" max="90" units="deg"/>
+        </inkml:traceFormat>
+        <inkml:channelProperties>
+          <inkml:channelProperty channel="X" name="resolution" value="1000" units="1/cm"/>
+          <inkml:channelProperty channel="Y" name="resolution" value="1000" units="1/cm"/>
+          <inkml:channelProperty channel="F" name="resolution" value="0" units="1/dev"/>
+          <inkml:channelProperty channel="OA" name="resolution" value="1000" units="1/deg"/>
+          <inkml:channelProperty channel="OE" name="resolution" value="1000" units="1/deg"/>
+        </inkml:channelProperties>
+      </inkml:inkSource>
+      <inkml:timestamp xml:id="ts0" timeString="2020-11-13T18:00:52.633"/>
+    </inkml:context>
+    <inkml:brush xml:id="br0">
+      <inkml:brushProperty name="width" value="0.05" units="cm"/>
+      <inkml:brushProperty name="height" value="0.05" units="cm"/>
+      <inkml:brushProperty name="color" value="#004F8B"/>
+    </inkml:brush>
+  </inkml:definitions>
+  <inkml:trace contextRef="#ctx0" brushRef="#br0">223 6 9216 0 0,'0'0'706'0'0,"-14"-5"6437"0"0,8 5-6179 0 0,1 1 1 0 0,-1-1 0 0 0,1 1-1 0 0,-1 0 1 0 0,-7 3 0 0 0,5-1-171 0 0,0 1 1 0 0,-14 7-1 0 0,1 3-13 0 0,-28 23-1 0 0,37-28-66 0 0,8-5-548 0 0,-1-1-1 0 0,1 1 1 0 0,0 0-1 0 0,0 0 1 0 0,1 0-1 0 0,-1 1 1 0 0,1-1-1 0 0,0 1 1 0 0,0 0 0 0 0,0 0-1 0 0,1 0 1 0 0,-4 8-1 0 0,6-12-165 0 0,0-1 0 0 0,0 1 0 0 0,0 0 0 0 0,1-1 0 0 0,-1 1 0 0 0,0 0-1 0 0,0-1 1 0 0,0 1 0 0 0,0 0 0 0 0,1-1 0 0 0,-1 1 0 0 0,0-1 0 0 0,1 1 0 0 0,-1 0 0 0 0,0-1 0 0 0,1 1-1 0 0,-1-1 1 0 0,1 1 0 0 0,-1-1 0 0 0,1 1 0 0 0,-1-1 0 0 0,1 1 0 0 0,-1-1 0 0 0,1 0 0 0 0,-1 1 0 0 0,1-1-1 0 0,0 0 1 0 0,-1 0 0 0 0,1 1 0 0 0,0-1 0 0 0,-1 0 0 0 0,1 0 0 0 0,0 0 0 0 0,-1 0 0 0 0,2 0-1 0 0,25 2 46 0 0,-21-3 83 0 0,1 0 1 0 0,0-1-1 0 0,0 0 0 0 0,-1 0 0 0 0,1-1 0 0 0,7-4 0 0 0,37-24 646 0 0,-13 7-370 0 0,-30 20-399 0 0,-3 0 55 0 0,1 1 0 0 0,-1 0 0 0 0,1 0 0 0 0,0 1-1 0 0,0 0 1 0 0,7-2 0 0 0,-11 4-43 0 0,0-1 0 0 0,0 1 0 0 0,0 0 0 0 0,0 0 0 0 0,0 1 0 0 0,0-1 0 0 0,0 0-1 0 0,0 1 1 0 0,0-1 0 0 0,0 1 0 0 0,0-1 0 0 0,-1 1 0 0 0,1 0 0 0 0,0 0 0 0 0,0 0 0 0 0,-1 0 0 0 0,1 0 0 0 0,-1 0 0 0 0,1 1-1 0 0,-1-1 1 0 0,1 0 0 0 0,-1 1 0 0 0,0-1 0 0 0,0 1 0 0 0,2 1 0 0 0,1 5-22 0 0,0 0 1 0 0,0 0-1 0 0,-1 0 0 0 0,0 1 1 0 0,0-1-1 0 0,-1 1 0 0 0,0-1 1 0 0,-1 1-1 0 0,1 11 0 0 0,0-7-299 0 0,0 0-1 0 0,1 0 0 0 0,5 15 1 0 0,4 6-702 0 0,15 33-3832 0 0,-18-51 3247 0 0</inkml:trace>
+</inkml:ink>
+</file>
+
+<file path=ppt/ink/ink13.xml><?xml version="1.0" encoding="utf-8"?>
+<inkml:ink xmlns:inkml="http://www.w3.org/2003/InkML">
+  <inkml:definitions>
+    <inkml:context xml:id="ctx0">
+      <inkml:inkSource xml:id="inkSrc0">
+        <inkml:traceFormat>
+          <inkml:channel name="X" type="integer" min="-2.14748E9" max="2.14748E9" units="cm"/>
+          <inkml:channel name="Y" type="integer" min="-2.14748E9" max="2.14748E9" units="cm"/>
+          <inkml:channel name="F" type="integer" max="32767" units="dev"/>
+          <inkml:channel name="OA" type="integer" max="360" units="deg"/>
+          <inkml:channel name="OE" type="integer" max="90" units="deg"/>
+        </inkml:traceFormat>
+        <inkml:channelProperties>
+          <inkml:channelProperty channel="X" name="resolution" value="1000" units="1/cm"/>
+          <inkml:channelProperty channel="Y" name="resolution" value="1000" units="1/cm"/>
+          <inkml:channelProperty channel="F" name="resolution" value="0" units="1/dev"/>
+          <inkml:channelProperty channel="OA" name="resolution" value="1000" units="1/deg"/>
+          <inkml:channelProperty channel="OE" name="resolution" value="1000" units="1/deg"/>
+        </inkml:channelProperties>
+      </inkml:inkSource>
+      <inkml:timestamp xml:id="ts0" timeString="2020-11-13T18:01:01.057"/>
+    </inkml:context>
+    <inkml:brush xml:id="br0">
+      <inkml:brushProperty name="width" value="0.05" units="cm"/>
+      <inkml:brushProperty name="height" value="0.05" units="cm"/>
+      <inkml:brushProperty name="color" value="#004F8B"/>
+    </inkml:brush>
+  </inkml:definitions>
+  <inkml:trace contextRef="#ctx0" brushRef="#br0">67 1 6448 0 0,'0'0'482'0'0,"-17"7"157"0"0,-10 5 1236 0 0,27-11-1470 0 0,-22 10 17257 0 0,25-8-17610 0 0,0 0-1 0 0,0 0 0 0 0,1 0 1 0 0,-1 0-1 0 0,1-1 1 0 0,0 0-1 0 0,0 0 0 0 0,-1 0 1 0 0,2 0-1 0 0,-1 0 0 0 0,0-1 1 0 0,0 0-1 0 0,8 2 1 0 0,5-1 74 0 0,1-1 1 0 0,21 0 0 0 0,1 0-80 0 0,301 9 814 0 0,-318-10-824 0 0,112-3 62 0 0,-6-3-83 0 0,65 1 70 0 0,-73 3 4 0 0,-99 1 32 0 0,347-2 856 0 0,-296 5-537 0 0,97 3-438 0 0,86 5 317 0 0,-233-11-255 0 0,24-5 0 0 0,-25 3 9 0 0,24 0-1 0 0,-44 3-44 0 0,-1 0-20 0 0,0 0-1 0 0,-1 0 0 0 0,1 0 0 0 0,0 0 0 0 0,-1 0 0 0 0,1 0 1 0 0,0 0-1 0 0,-1 0 0 0 0,1-1 0 0 0,0 1 0 0 0,-1 0 1 0 0,1 0-1 0 0,0-1 0 0 0,-1 1 0 0 0,1 0 0 0 0,-1-1 1 0 0,1 1-1 0 0,-1-1 0 0 0,1 1 0 0 0,-1-1 0 0 0,1 1 0 0 0,0-2 1 0 0,-1 2 35 0 0,-1-7-1259 0 0,-4-4-1837 0 0</inkml:trace>
+</inkml:ink>
+</file>
+
+<file path=ppt/ink/ink14.xml><?xml version="1.0" encoding="utf-8"?>
+<inkml:ink xmlns:inkml="http://www.w3.org/2003/InkML">
+  <inkml:definitions>
+    <inkml:context xml:id="ctx0">
+      <inkml:inkSource xml:id="inkSrc0">
+        <inkml:traceFormat>
+          <inkml:channel name="X" type="integer" min="-2.14748E9" max="2.14748E9" units="cm"/>
+          <inkml:channel name="Y" type="integer" min="-2.14748E9" max="2.14748E9" units="cm"/>
+          <inkml:channel name="F" type="integer" max="32767" units="dev"/>
+          <inkml:channel name="OA" type="integer" max="360" units="deg"/>
+          <inkml:channel name="OE" type="integer" max="90" units="deg"/>
+        </inkml:traceFormat>
+        <inkml:channelProperties>
+          <inkml:channelProperty channel="X" name="resolution" value="1000" units="1/cm"/>
+          <inkml:channelProperty channel="Y" name="resolution" value="1000" units="1/cm"/>
+          <inkml:channelProperty channel="F" name="resolution" value="0" units="1/dev"/>
+          <inkml:channelProperty channel="OA" name="resolution" value="1000" units="1/deg"/>
+          <inkml:channelProperty channel="OE" name="resolution" value="1000" units="1/deg"/>
+        </inkml:channelProperties>
+      </inkml:inkSource>
+      <inkml:timestamp xml:id="ts0" timeString="2020-11-13T18:01:03.822"/>
+    </inkml:context>
+    <inkml:brush xml:id="br0">
+      <inkml:brushProperty name="width" value="0.05" units="cm"/>
+      <inkml:brushProperty name="height" value="0.05" units="cm"/>
+      <inkml:brushProperty name="color" value="#004F8B"/>
+    </inkml:brush>
+  </inkml:definitions>
+  <inkml:trace contextRef="#ctx0" brushRef="#br0">3 148 15664 0 0,'-2'9'654'0'0,"5"-7"-32"0"0,13-10 274 0 0,-11 5-782 0 0,47-25 807 0 0,99-61 2919 0 0,-127 74-5313 0 0,0 3-3337 0 0,-9 8-2258 0 0</inkml:trace>
+</inkml:ink>
+</file>
+
+<file path=ppt/ink/ink15.xml><?xml version="1.0" encoding="utf-8"?>
+<inkml:ink xmlns:inkml="http://www.w3.org/2003/InkML">
+  <inkml:definitions>
+    <inkml:context xml:id="ctx0">
+      <inkml:inkSource xml:id="inkSrc0">
+        <inkml:traceFormat>
+          <inkml:channel name="X" type="integer" min="-2.14748E9" max="2.14748E9" units="cm"/>
+          <inkml:channel name="Y" type="integer" min="-2.14748E9" max="2.14748E9" units="cm"/>
+          <inkml:channel name="F" type="integer" max="32767" units="dev"/>
+          <inkml:channel name="OA" type="integer" max="360" units="deg"/>
+          <inkml:channel name="OE" type="integer" max="90" units="deg"/>
+        </inkml:traceFormat>
+        <inkml:channelProperties>
+          <inkml:channelProperty channel="X" name="resolution" value="1000" units="1/cm"/>
+          <inkml:channelProperty channel="Y" name="resolution" value="1000" units="1/cm"/>
+          <inkml:channelProperty channel="F" name="resolution" value="0" units="1/dev"/>
+          <inkml:channelProperty channel="OA" name="resolution" value="1000" units="1/deg"/>
+          <inkml:channelProperty channel="OE" name="resolution" value="1000" units="1/deg"/>
+        </inkml:channelProperties>
+      </inkml:inkSource>
+      <inkml:timestamp xml:id="ts0" timeString="2020-11-13T18:01:04.440"/>
+    </inkml:context>
+    <inkml:brush xml:id="br0">
+      <inkml:brushProperty name="width" value="0.05" units="cm"/>
+      <inkml:brushProperty name="height" value="0.05" units="cm"/>
+      <inkml:brushProperty name="color" value="#004F8B"/>
+    </inkml:brush>
+  </inkml:definitions>
+  <inkml:trace contextRef="#ctx0" brushRef="#br0">148 0 15664 0 0,'0'0'718'0'0,"-3"8"231"0"0,3 0-735 0 0,0-1-1 0 0,0 1 0 0 0,0 0 1 0 0,1-1-1 0 0,0 1 0 0 0,4 14 1 0 0,2 15 1050 0 0,13 327 1356 0 0,-15-196-2338 0 0,2 39 540 0 0,-21 229 0 0 0,-39 22 50 0 0,33-301-368 0 0,-2 65 876 0 0,4-29-1612 0 0,-13 154 102 0 0,22-229 372 0 0,-11 212-354 0 0,18-298 104 0 0,1 88 288 0 0,3-79-83 0 0,-2-17 252 0 0,2 1 1 0 0,8 44-1 0 0,-10-68-396 0 0,1 0 0 0 0,-1 0 0 0 0,0 0 0 0 0,1 1 0 0 0,-1-1-1 0 0,0 0 1 0 0,1 0 0 0 0,-1 0 0 0 0,1 0 0 0 0,0 0 0 0 0,-1 0-1 0 0,1 0 1 0 0,0 0 0 0 0,0-1 0 0 0,-1 1 0 0 0,1 0 0 0 0,0 0-1 0 0,0-1 1 0 0,0 1 0 0 0,2 1 0 0 0,-1-2 5 0 0,1 1 0 0 0,-1-1 0 0 0,0 0 0 0 0,1 1 0 0 0,-1-1 0 0 0,0 0 0 0 0,1 0 0 0 0,2-1 0 0 0,10 0-54 0 0,16 0 48 0 0,39-8 0 0 0,-5 1-9 0 0,-38 5-36 0 0,-16 1-2 0 0,1 1 0 0 0,-1 0 0 0 0,0 1 0 0 0,1 0 0 0 0,-1 0 0 0 0,0 1 0 0 0,1 1 0 0 0,17 5 0 0 0,-22-5-139 0 0,-1 1 0 0 0,1-1 0 0 0,-1 2 1 0 0,10 5-1 0 0,-7-3-865 0 0,-1-2-1989 0 0</inkml:trace>
+</inkml:ink>
+</file>
+
+<file path=ppt/ink/ink16.xml><?xml version="1.0" encoding="utf-8"?>
+<inkml:ink xmlns:inkml="http://www.w3.org/2003/InkML">
+  <inkml:definitions>
+    <inkml:context xml:id="ctx0">
+      <inkml:inkSource xml:id="inkSrc0">
+        <inkml:traceFormat>
+          <inkml:channel name="X" type="integer" min="-2.14748E9" max="2.14748E9" units="cm"/>
+          <inkml:channel name="Y" type="integer" min="-2.14748E9" max="2.14748E9" units="cm"/>
+          <inkml:channel name="F" type="integer" max="32767" units="dev"/>
+          <inkml:channel name="OA" type="integer" max="360" units="deg"/>
+          <inkml:channel name="OE" type="integer" max="90" units="deg"/>
+        </inkml:traceFormat>
+        <inkml:channelProperties>
+          <inkml:channelProperty channel="X" name="resolution" value="1000" units="1/cm"/>
+          <inkml:channelProperty channel="Y" name="resolution" value="1000" units="1/cm"/>
+          <inkml:channelProperty channel="F" name="resolution" value="0" units="1/dev"/>
+          <inkml:channelProperty channel="OA" name="resolution" value="1000" units="1/deg"/>
+          <inkml:channelProperty channel="OE" name="resolution" value="1000" units="1/deg"/>
+        </inkml:channelProperties>
+      </inkml:inkSource>
+      <inkml:timestamp xml:id="ts0" timeString="2020-11-13T18:01:12.530"/>
+    </inkml:context>
+    <inkml:brush xml:id="br0">
+      <inkml:brushProperty name="width" value="0.05" units="cm"/>
+      <inkml:brushProperty name="height" value="0.05" units="cm"/>
+      <inkml:brushProperty name="color" value="#004F8B"/>
+    </inkml:brush>
+  </inkml:definitions>
+  <inkml:trace contextRef="#ctx0" brushRef="#br0">4 56 11144 0 0,'0'0'834'0'0,"-1"1"-559"0"0,-2 4 1122 0 0,32-11 1361 0 0,50-1-338 0 0,-26 1-1250 0 0,20 3 945 0 0,-39 3-868 0 0,68-11 0 0 0,-12 0-205 0 0,-63 5-534 0 0,0 2 1 0 0,53-3 0 0 0,-78 7-1064 0 0,1 0 1403 0 0</inkml:trace>
+</inkml:ink>
+</file>
+
+<file path=ppt/ink/ink17.xml><?xml version="1.0" encoding="utf-8"?>
+<inkml:ink xmlns:inkml="http://www.w3.org/2003/InkML">
+  <inkml:definitions>
+    <inkml:context xml:id="ctx0">
+      <inkml:inkSource xml:id="inkSrc0">
+        <inkml:traceFormat>
+          <inkml:channel name="X" type="integer" min="-2.14748E9" max="2.14748E9" units="cm"/>
+          <inkml:channel name="Y" type="integer" min="-2.14748E9" max="2.14748E9" units="cm"/>
+          <inkml:channel name="F" type="integer" max="32767" units="dev"/>
+          <inkml:channel name="OA" type="integer" max="360" units="deg"/>
+          <inkml:channel name="OE" type="integer" max="90" units="deg"/>
+        </inkml:traceFormat>
+        <inkml:channelProperties>
+          <inkml:channelProperty channel="X" name="resolution" value="1000" units="1/cm"/>
+          <inkml:channelProperty channel="Y" name="resolution" value="1000" units="1/cm"/>
+          <inkml:channelProperty channel="F" name="resolution" value="0" units="1/dev"/>
+          <inkml:channelProperty channel="OA" name="resolution" value="1000" units="1/deg"/>
+          <inkml:channelProperty channel="OE" name="resolution" value="1000" units="1/deg"/>
+        </inkml:channelProperties>
+      </inkml:inkSource>
+      <inkml:timestamp xml:id="ts0" timeString="2020-11-13T18:01:13.807"/>
+    </inkml:context>
+    <inkml:brush xml:id="br0">
+      <inkml:brushProperty name="width" value="0.05" units="cm"/>
+      <inkml:brushProperty name="height" value="0.05" units="cm"/>
+      <inkml:brushProperty name="color" value="#004F8B"/>
+    </inkml:brush>
+  </inkml:definitions>
+  <inkml:trace contextRef="#ctx0" brushRef="#br0">3 0 13824 0 0,'0'0'629'0'0,"0"1"-12"0"0,-1 2-239 0 0,0-2-200 0 0,1 0 0 0 0,0-1 1 0 0,0 1-1 0 0,0 0 1 0 0,0-1-1 0 0,0 1 0 0 0,0 0 1 0 0,0-1-1 0 0,0 1 1 0 0,0 0-1 0 0,0-1 0 0 0,0 1 1 0 0,1 0-1 0 0,-1-1 1 0 0,0 1-1 0 0,0 0 1 0 0,1-1-1 0 0,-1 1 0 0 0,0-1 1 0 0,1 1-1 0 0,-1 0 1 0 0,0-1-1 0 0,1 1 0 0 0,-1-1 1 0 0,1 1-1 0 0,-1-1 1 0 0,1 0-1 0 0,-1 1 0 0 0,1-1 1 0 0,0 1-1 0 0,0-1 1 0 0,20 10 1246 0 0,-14-9-1227 0 0,-1 0-1 0 0,0 0 1 0 0,1 0 0 0 0,-1-1-1 0 0,1 1 1 0 0,10-2 0 0 0,41-9 1229 0 0,-31 6-837 0 0,-19 2-360 0 0,123-15 1295 0 0,-104 15-1678 0 0,0 1-1 0 0,50 5 1 0 0,-25 3-1952 0 0,-44-6 451 0 0</inkml:trace>
+</inkml:ink>
+</file>
+
+<file path=ppt/ink/ink18.xml><?xml version="1.0" encoding="utf-8"?>
+<inkml:ink xmlns:inkml="http://www.w3.org/2003/InkML">
+  <inkml:definitions>
+    <inkml:context xml:id="ctx0">
+      <inkml:inkSource xml:id="inkSrc0">
+        <inkml:traceFormat>
+          <inkml:channel name="X" type="integer" min="-2.14748E9" max="2.14748E9" units="cm"/>
+          <inkml:channel name="Y" type="integer" min="-2.14748E9" max="2.14748E9" units="cm"/>
+          <inkml:channel name="F" type="integer" max="32767" units="dev"/>
+          <inkml:channel name="OA" type="integer" max="360" units="deg"/>
+          <inkml:channel name="OE" type="integer" max="90" units="deg"/>
+        </inkml:traceFormat>
+        <inkml:channelProperties>
+          <inkml:channelProperty channel="X" name="resolution" value="1000" units="1/cm"/>
+          <inkml:channelProperty channel="Y" name="resolution" value="1000" units="1/cm"/>
+          <inkml:channelProperty channel="F" name="resolution" value="0" units="1/dev"/>
+          <inkml:channelProperty channel="OA" name="resolution" value="1000" units="1/deg"/>
+          <inkml:channelProperty channel="OE" name="resolution" value="1000" units="1/deg"/>
+        </inkml:channelProperties>
+      </inkml:inkSource>
+      <inkml:timestamp xml:id="ts0" timeString="2020-11-13T18:01:17.647"/>
+    </inkml:context>
+    <inkml:brush xml:id="br0">
+      <inkml:brushProperty name="width" value="0.05" units="cm"/>
+      <inkml:brushProperty name="height" value="0.05" units="cm"/>
+      <inkml:brushProperty name="color" value="#004F8B"/>
+    </inkml:brush>
+  </inkml:definitions>
+  <inkml:trace contextRef="#ctx0" brushRef="#br0">30 27 18343 0 0,'-15'7'1984'0'0,"12"-3"-1723"0"0,1-2 110 0 0,1 0 0 0 0,0-1 1 0 0,0 1-1 0 0,-1 0 1 0 0,1 0-1 0 0,0 0 1 0 0,1 0-1 0 0,-2 2 0 0 0,2-3-314 0 0,0-1-1 0 0,0 1 1 0 0,0 0-1 0 0,0 0 1 0 0,0 0-1 0 0,0-1 1 0 0,0 1-1 0 0,0 0 0 0 0,1 0 1 0 0,-1-1-1 0 0,0 1 1 0 0,1 0-1 0 0,-1 0 1 0 0,0-1-1 0 0,1 1 1 0 0,-1 0-1 0 0,1-1 0 0 0,-1 1 1 0 0,1-1-1 0 0,-1 1 1 0 0,1 0-1 0 0,-1-1 1 0 0,1 1-1 0 0,-1-1 0 0 0,1 1 1 0 0,0-1-1 0 0,-1 0 1 0 0,2 1-1 0 0,4 3 140 0 0,1-1-1 0 0,-1 0 1 0 0,0-1 0 0 0,1 1-1 0 0,0-1 1 0 0,0-1-1 0 0,0 1 1 0 0,12 0-1 0 0,6-1-11 0 0,28-2-1 0 0,-47 1-230 0 0,130-15 690 0 0,-36 3-206 0 0,324 2 739 0 0,-207 10-736 0 0,579-42 952 0 0,-643 31-1456 0 0,-61 6 64 0 0,1 3 0 0 0,92 10 0 0 0,-169-7 192 0 0,0 2-1 0 0,1 0 1 0 0,-1 1 0 0 0,19 7 0 0 0,-19-1-63 0 0,-16-10-137 0 0,1 1 0 0 0,-1-1 0 0 0,0 0 0 0 0,1 1 0 0 0,-1-1 0 0 0,0 1 0 0 0,1-1 0 0 0,-1 1 0 0 0,0-1 0 0 0,0 1 0 0 0,0-1 0 0 0,1 1 0 0 0,-1-1 0 0 0,0 1 0 0 0,0-1 0 0 0,0 1 0 0 0,0-1 0 0 0,0 1 0 0 0,0 0 0 0 0,0-1 0 0 0,0 1 0 0 0,0-1 0 0 0,0 1 0 0 0,0-1 0 0 0,0 1 0 0 0,-1-1 0 0 0,1 1 0 0 0,0-1 0 0 0,0 1 0 0 0,-1 0 0 0 0,0-1-109 0 0,0 1 1 0 0,0-1-1 0 0,0 1 0 0 0,1-1 1 0 0,-1 0-1 0 0,0 1 0 0 0,-1-1 1 0 0,1 0-1 0 0,0 0 0 0 0,0 0 1 0 0,0 0-1 0 0,0 0 0 0 0,0 0 1 0 0,-1 0-1 0 0,-19-1-2166 0 0,20 1 2137 0 0,-11-2-1051 0 0</inkml:trace>
+</inkml:ink>
+</file>
+
+<file path=ppt/ink/ink19.xml><?xml version="1.0" encoding="utf-8"?>
+<inkml:ink xmlns:inkml="http://www.w3.org/2003/InkML">
+  <inkml:definitions>
+    <inkml:context xml:id="ctx0">
+      <inkml:inkSource xml:id="inkSrc0">
+        <inkml:traceFormat>
+          <inkml:channel name="X" type="integer" min="-2.14748E9" max="2.14748E9" units="cm"/>
+          <inkml:channel name="Y" type="integer" min="-2.14748E9" max="2.14748E9" units="cm"/>
+          <inkml:channel name="F" type="integer" max="32767" units="dev"/>
+          <inkml:channel name="OA" type="integer" max="360" units="deg"/>
+          <inkml:channel name="OE" type="integer" max="90" units="deg"/>
+        </inkml:traceFormat>
+        <inkml:channelProperties>
+          <inkml:channelProperty channel="X" name="resolution" value="1000" units="1/cm"/>
+          <inkml:channelProperty channel="Y" name="resolution" value="1000" units="1/cm"/>
+          <inkml:channelProperty channel="F" name="resolution" value="0" units="1/dev"/>
+          <inkml:channelProperty channel="OA" name="resolution" value="1000" units="1/deg"/>
+          <inkml:channelProperty channel="OE" name="resolution" value="1000" units="1/deg"/>
+        </inkml:channelProperties>
+      </inkml:inkSource>
+      <inkml:timestamp xml:id="ts0" timeString="2020-11-13T18:01:52.455"/>
+    </inkml:context>
+    <inkml:brush xml:id="br0">
+      <inkml:brushProperty name="width" value="0.05" units="cm"/>
+      <inkml:brushProperty name="height" value="0.05" units="cm"/>
+      <inkml:brushProperty name="color" value="#004F8B"/>
+    </inkml:brush>
+  </inkml:definitions>
+  <inkml:trace contextRef="#ctx0" brushRef="#br0">99 168 4144 0 0,'-2'0'213'0'0,"0"0"1"0"0,1 0 0 0 0,-1 0-1 0 0,1 0 1 0 0,-1 0-1 0 0,0-1 1 0 0,1 1 0 0 0,-1-1-1 0 0,1 1 1 0 0,-1-1-1 0 0,1 0 1 0 0,-1 1 0 0 0,1-1-1 0 0,0 0 1 0 0,-1 0-1 0 0,1 0 1 0 0,0 0 0 0 0,0 0-1 0 0,0 0 1 0 0,0 0-1 0 0,0 0 1 0 0,0-1 0 0 0,-2-1-1 0 0,1-2 1027 0 0,0 0-1 0 0,0 0 1 0 0,0 0-1 0 0,1-1 1 0 0,-2-7-1 0 0,2 10-1108 0 0,1 0 66 0 0,0-1 0 0 0,0 1 0 0 0,0-1 0 0 0,0 1 0 0 0,1 0 0 0 0,-1-1 0 0 0,1 1 0 0 0,0 0 0 0 0,0 0 0 0 0,0-1 0 0 0,1 1 0 0 0,2-5 576 0 0,-3 8-545 0 0,3-2 683 0 0,-5 7-690 0 0,-11 15 378 0 0,10-18-559 0 0,1-1 0 0 0,0 1 0 0 0,0 0 0 0 0,-1-1-1 0 0,1 1 1 0 0,-1-1 0 0 0,1 0 0 0 0,-1 0 0 0 0,0 1 0 0 0,0-1 0 0 0,1 0 0 0 0,-1 0-1 0 0,0 0 1 0 0,0-1 0 0 0,-3 2 0 0 0,-4 2 411 0 0,9-4-430 0 0,0-1-1 0 0,-1 1 0 0 0,1-1 1 0 0,0 1-1 0 0,-1-1 1 0 0,1 1-1 0 0,0 0 0 0 0,0-1 1 0 0,0 1-1 0 0,0-1 1 0 0,-1 1-1 0 0,1-1 0 0 0,0 1 1 0 0,0-1-1 0 0,0 1 1 0 0,0-1-1 0 0,0 1 0 0 0,0-1 1 0 0,0 1-1 0 0,0-1 1 0 0,0 1-1 0 0,0-1 0 0 0,0 1 1 0 0,1-1-1 0 0,-1 1 1 0 0,0-1-1 0 0,0 1 0 0 0,0-1 1 0 0,1 1-1 0 0,-1-1 1 0 0,0 1-1 0 0,1 0 0 0 0,0-2 1 0 0,10-14 285 0 0,5 3-193 0 0,-14 12-105 0 0,1-1 0 0 0,-1 0 1 0 0,1 0-1 0 0,-1 0 0 0 0,0 0 0 0 0,0 0 1 0 0,2-3-1 0 0,-4 4 45 0 0,-1 3-41 0 0,-1 0 0 0 0,0-1-1 0 0,0 0 1 0 0,0 1-1 0 0,0-1 1 0 0,0 0 0 0 0,0 0-1 0 0,0 0 1 0 0,0 0 0 0 0,-4 1-1 0 0,-2 0-10 0 0,-17 3 73 0 0,25-5-70 0 0,0 0 0 0 0,-1 0-1 0 0,1 0 1 0 0,0 0 0 0 0,-1 0 0 0 0,1-1 0 0 0,0 1-1 0 0,0 0 1 0 0,-1 0 0 0 0,1 0 0 0 0,0 0 0 0 0,0-1 0 0 0,-1 1-1 0 0,1 0 1 0 0,0 0 0 0 0,0-1 0 0 0,0 1 0 0 0,0 0-1 0 0,-1 0 1 0 0,1-1 0 0 0,0 1 0 0 0,0 0 0 0 0,0-1 0 0 0,0 1-1 0 0,0 0 1 0 0,0-1 0 0 0,0 1 0 0 0,0 0 0 0 0,0 0-1 0 0,0-1 1 0 0,0 1 0 0 0,0 0 0 0 0,0-1 0 0 0,0 1-1 0 0,0-1 1 0 0,2-10 80 0 0,1 8-73 0 0,0 0 0 0 0,0 0 0 0 0,0 0-1 0 0,0 0 1 0 0,1 0 0 0 0,-1 1 0 0 0,1-1-1 0 0,0 1 1 0 0,-1 0 0 0 0,1 0 0 0 0,0 0-1 0 0,0 1 1 0 0,7-2 0 0 0,-3 0 31 0 0,-6 2-30 0 0,-1 0 1 0 0,1 0-1 0 0,-1 1 1 0 0,1-1-1 0 0,-1 1 1 0 0,1-1-1 0 0,-1 1 1 0 0,1-1-1 0 0,1 1 1 0 0,4 0 69 0 0,-6 0 126 0 0,-1 1-190 0 0,0 0 0 0 0,-1 0-1 0 0,1 1 1 0 0,0-1 0 0 0,-1 0 0 0 0,1 0-1 0 0,-1 0 1 0 0,1 0 0 0 0,-1 0 0 0 0,0 0-1 0 0,0 0 1 0 0,1 0 0 0 0,-1 0 0 0 0,0 0-1 0 0,0 0 1 0 0,0 0 0 0 0,0-1 0 0 0,-2 2-1 0 0,-22 14 228 0 0,19-13-187 0 0,5-2-42 0 0,0-1 0 0 0,0 1 0 0 0,0 0 0 0 0,0-1-1 0 0,-1 1 1 0 0,1-1 0 0 0,0 1 0 0 0,0-1 0 0 0,-1 0 0 0 0,1 1 0 0 0,0-1-1 0 0,-1 0 1 0 0,1 0 0 0 0,0 0 0 0 0,-1 0 0 0 0,1 0 0 0 0,0 0 0 0 0,-1 0-1 0 0,1-1 1 0 0,0 1 0 0 0,0 0 0 0 0,-1-1 0 0 0,1 1 0 0 0,0-1-1 0 0,0 1 1 0 0,-2-2 0 0 0</inkml:trace>
+</inkml:ink>
+</file>
+
+<file path=ppt/ink/ink2.xml><?xml version="1.0" encoding="utf-8"?>
+<inkml:ink xmlns:inkml="http://www.w3.org/2003/InkML">
+  <inkml:definitions>
+    <inkml:context xml:id="ctx0">
+      <inkml:inkSource xml:id="inkSrc0">
+        <inkml:traceFormat>
+          <inkml:channel name="X" type="integer" min="-2.14748E9" max="2.14748E9" units="cm"/>
+          <inkml:channel name="Y" type="integer" min="-2.14748E9" max="2.14748E9" units="cm"/>
+          <inkml:channel name="F" type="integer" max="32767" units="dev"/>
+          <inkml:channel name="OA" type="integer" max="360" units="deg"/>
+          <inkml:channel name="OE" type="integer" max="90" units="deg"/>
+        </inkml:traceFormat>
+        <inkml:channelProperties>
+          <inkml:channelProperty channel="X" name="resolution" value="1000" units="1/cm"/>
+          <inkml:channelProperty channel="Y" name="resolution" value="1000" units="1/cm"/>
+          <inkml:channelProperty channel="F" name="resolution" value="0" units="1/dev"/>
+          <inkml:channelProperty channel="OA" name="resolution" value="1000" units="1/deg"/>
+          <inkml:channelProperty channel="OE" name="resolution" value="1000" units="1/deg"/>
+        </inkml:channelProperties>
+      </inkml:inkSource>
+      <inkml:timestamp xml:id="ts0" timeString="2020-11-13T18:00:37.642"/>
+    </inkml:context>
+    <inkml:brush xml:id="br0">
+      <inkml:brushProperty name="width" value="0.05" units="cm"/>
+      <inkml:brushProperty name="height" value="0.05" units="cm"/>
+      <inkml:brushProperty name="color" value="#004F8B"/>
+    </inkml:brush>
+  </inkml:definitions>
+  <inkml:trace contextRef="#ctx0" brushRef="#br0">60 78 2760 0 0,'0'0'125'0'0,"-13"2"22"0"0,6-2 130 0 0,5 0 273 0 0,0 0 1 0 0,0 1-1 0 0,1-1 0 0 0,-1 1 0 0 0,0-1 1 0 0,1 1-1 0 0,-1 0 0 0 0,0 0 0 0 0,1 0 1 0 0,-1 0-1 0 0,-1 2 0 0 0,1-3 54 0 0,1 1-1 0 0,0 0 1 0 0,0 0 0 0 0,0 0-1 0 0,-1-1 1 0 0,1 1-1 0 0,0 0 1 0 0,-6 0 5358 0 0,7 1-5723 0 0,0-1-1 0 0,1 0 1 0 0,-1 1 0 0 0,0-1-1 0 0,1 0 1 0 0,-1 0-1 0 0,1 0 1 0 0,0 1-1 0 0,-1-1 1 0 0,2 1-1 0 0,2 1-60 0 0,0 0-1 0 0,0 0 0 0 0,0-1 0 0 0,1 1 1 0 0,-1-1-1 0 0,1 0 0 0 0,7 2 0 0 0,-3-1 69 0 0,12 4 205 0 0,0-1 0 0 0,22 3-1 0 0,-30-6-314 0 0,29 3 341 0 0,0-2 0 0 0,0-2 0 0 0,47-3 0 0 0,-70 0-353 0 0,175-11 995 0 0,-53 2-521 0 0,284-35 629 0 0,59-12-83 0 0,-171 46-995 0 0,-307 11-150 0 0,10 1 27 0 0,27 4 0 0 0,-27-2-271 0 0,28 1 1 0 0,-25-3-113 0 0,-11-1 480 0 0,-1 0 1 0 0,1 0-1 0 0,9-1 1 0 0,1-1-4 0 0,-15 2-108 0 0,1 0 1 0 0,-1 0-1 0 0,0 0 1 0 0,0-1-1 0 0,0 0 1 0 0,0 1-1 0 0,0-1 1 0 0,0 0-1 0 0,0 0 1 0 0,0-1-1 0 0,0 1 1 0 0,0-1-1 0 0,0 1 1 0 0,-1-1-1 0 0,5-3 1 0 0,1-3-131 0 0,-6 7 44 0 0,0-1-1 0 0,0 0 1 0 0,0 0 0 0 0,0 0 0 0 0,0-1-1 0 0,0 1 1 0 0,1-3 0 0 0,-3 5 266 0 0,9-2-1396 0 0,0 1-1903 0 0</inkml:trace>
+</inkml:ink>
+</file>
+
+<file path=ppt/ink/ink3.xml><?xml version="1.0" encoding="utf-8"?>
+<inkml:ink xmlns:inkml="http://www.w3.org/2003/InkML">
+  <inkml:definitions>
+    <inkml:context xml:id="ctx0">
+      <inkml:inkSource xml:id="inkSrc0">
+        <inkml:traceFormat>
+          <inkml:channel name="X" type="integer" min="-2.14748E9" max="2.14748E9" units="cm"/>
+          <inkml:channel name="Y" type="integer" min="-2.14748E9" max="2.14748E9" units="cm"/>
+          <inkml:channel name="F" type="integer" max="32767" units="dev"/>
+          <inkml:channel name="OA" type="integer" max="360" units="deg"/>
+          <inkml:channel name="OE" type="integer" max="90" units="deg"/>
+        </inkml:traceFormat>
+        <inkml:channelProperties>
+          <inkml:channelProperty channel="X" name="resolution" value="1000" units="1/cm"/>
+          <inkml:channelProperty channel="Y" name="resolution" value="1000" units="1/cm"/>
+          <inkml:channelProperty channel="F" name="resolution" value="0" units="1/dev"/>
+          <inkml:channelProperty channel="OA" name="resolution" value="1000" units="1/deg"/>
+          <inkml:channelProperty channel="OE" name="resolution" value="1000" units="1/deg"/>
+        </inkml:channelProperties>
+      </inkml:inkSource>
+      <inkml:timestamp xml:id="ts0" timeString="2020-11-13T18:00:42.895"/>
+    </inkml:context>
+    <inkml:brush xml:id="br0">
+      <inkml:brushProperty name="width" value="0.05" units="cm"/>
+      <inkml:brushProperty name="height" value="0.05" units="cm"/>
+      <inkml:brushProperty name="color" value="#004F8B"/>
+    </inkml:brush>
+  </inkml:definitions>
+  <inkml:trace contextRef="#ctx0" brushRef="#br0">13 107 6448 0 0,'-12'-1'11195'0'0,"14"-1"-10960"0"0,1 0 0 0 0,-1 0 0 0 0,1 0 0 0 0,0 0 0 0 0,0 1 0 0 0,0-1 0 0 0,0 1 0 0 0,0 0 0 0 0,4-1 0 0 0,33-6 714 0 0,-30 6-788 0 0,-1 0-1 0 0,13-3 0 0 0,-17 3-47 0 0,0 1-1 0 0,1 1 0 0 0,-1-1 1 0 0,0 1-1 0 0,0-1 0 0 0,1 2 1 0 0,4-1-1 0 0,5 1 149 0 0,14-1-184 0 0,15 1 204 0 0,1-3 0 0 0,55-8 0 0 0,-14 1 371 0 0,-11 1-72 0 0,11 2-283 0 0,-20 2-74 0 0,210-18 177 0 0,8 14-121 0 0,-76 17 578 0 0,-112 6-707 0 0,-48-7-88 0 0,165 25 209 0 0,-194-30-215 0 0,36-1 0 0 0,-14-1 124 0 0,155 3 405 0 0,-85 2-393 0 0,-3 1 46 0 0,-51-2-108 0 0,95 10 262 0 0,-94-8-127 0 0,32 4 127 0 0,143-1-1 0 0,-17-13 329 0 0,-201 3-600 0 0,13 0 392 0 0,-3 0-760 0 0,-18 1 157 0 0,0-2 446 0 0,-6 1-527 0 0,-1 0 0 0 0,0 0 0 0 0,1-1 0 0 0,-1 1 0 0 0,0 0 0 0 0,1 0 0 0 0,-1 0 0 0 0,1 0 0 0 0,-1 0-1 0 0,0 0 1 0 0,1 0 0 0 0,-1 0 0 0 0,1 0 0 0 0,-1 0 0 0 0,0 0 0 0 0,1 0 0 0 0,-1 0 0 0 0,1 0 0 0 0,-1 0 0 0 0,0 1 0 0 0,1-1 0 0 0,-1 0 0 0 0,0 0 0 0 0,1 0 0 0 0,-1 1 0 0 0,0-1-1 0 0,1 0 1 0 0,-1 0 0 0 0,0 1 0 0 0,1-1 0 0 0,-1 0 0 0 0,0 1 0 0 0,0-1 0 0 0,1 0 0 0 0,-1 1 0 0 0,0-1 0 0 0,0 0 0 0 0,0 1 0 0 0,0-1 0 0 0,1 0 0 0 0,-1 2 0 0 0</inkml:trace>
+</inkml:ink>
+</file>
+
+<file path=ppt/ink/ink4.xml><?xml version="1.0" encoding="utf-8"?>
+<inkml:ink xmlns:inkml="http://www.w3.org/2003/InkML">
+  <inkml:definitions>
+    <inkml:context xml:id="ctx0">
+      <inkml:inkSource xml:id="inkSrc0">
+        <inkml:traceFormat>
+          <inkml:channel name="X" type="integer" min="-2.14748E9" max="2.14748E9" units="cm"/>
+          <inkml:channel name="Y" type="integer" min="-2.14748E9" max="2.14748E9" units="cm"/>
+          <inkml:channel name="F" type="integer" max="32767" units="dev"/>
+          <inkml:channel name="OA" type="integer" max="360" units="deg"/>
+          <inkml:channel name="OE" type="integer" max="90" units="deg"/>
+        </inkml:traceFormat>
+        <inkml:channelProperties>
+          <inkml:channelProperty channel="X" name="resolution" value="1000" units="1/cm"/>
+          <inkml:channelProperty channel="Y" name="resolution" value="1000" units="1/cm"/>
+          <inkml:channelProperty channel="F" name="resolution" value="0" units="1/dev"/>
+          <inkml:channelProperty channel="OA" name="resolution" value="1000" units="1/deg"/>
+          <inkml:channelProperty channel="OE" name="resolution" value="1000" units="1/deg"/>
+        </inkml:channelProperties>
+      </inkml:inkSource>
+      <inkml:timestamp xml:id="ts0" timeString="2020-11-13T18:00:47.837"/>
+    </inkml:context>
+    <inkml:brush xml:id="br0">
+      <inkml:brushProperty name="width" value="0.05" units="cm"/>
+      <inkml:brushProperty name="height" value="0.05" units="cm"/>
+      <inkml:brushProperty name="color" value="#004F8B"/>
+    </inkml:brush>
+  </inkml:definitions>
+  <inkml:trace contextRef="#ctx0" brushRef="#br0">81 15 2760 0 0,'-14'3'248'0'0,"5"-3"1006"0"0,4 1 327 0 0,-1-1 1 0 0,1 0 0 0 0,-1-1 0 0 0,1 0 0 0 0,-6-1 0 0 0,-9-5 8836 0 0,53 32-9558 0 0,-25-21-715 0 0,1 0-1 0 0,-1-1 0 0 0,1 0 1 0 0,-1 0-1 0 0,12 1 1 0 0,-14-2-28 0 0,5 0 48 0 0,-1-1 0 0 0,14 1 0 0 0,-13-2-101 0 0,0 1 0 0 0,11 3 0 0 0,86 16 673 0 0,-78-16-602 0 0,1 0 0 0 0,37-2 0 0 0,62-7-11 0 0,-83 1 46 0 0,0 2-1 0 0,0 3 1 0 0,68 8 0 0 0,30 23 134 0 0,-14-3-92 0 0,-99-23-167 0 0,7 2 68 0 0,59 4 0 0 0,-69-10-33 0 0,473 2 845 0 0,-451-7-818 0 0,111-11 26 0 0,-88 4-112 0 0,0 3 1 0 0,124 4-1 0 0,90 10 32 0 0,-133-6 34 0 0,139-2-171 0 0,-112-2 81 0 0,107-4 139 0 0,-50-10 431 0 0,-167 8-253 0 0,91-23 0 0 0,-12-10-242 0 0,-119 30-61 0 0,-26 9-5 0 0,1 1 0 0 0,-1-1 0 0 0,1 1 0 0 0,0 1 0 0 0,0-1 1 0 0,-1 1-1 0 0,10-1 0 0 0,-14 2-38 0 0,2 1-8 0 0,1-1-1 0 0,-1 0 0 0 0,1-1 0 0 0,-1 1 0 0 0,1-1 0 0 0,-1 0 1 0 0,0 0-1 0 0,1 0 0 0 0,-1-1 0 0 0,0 0 0 0 0,0 1 0 0 0,0-1 1 0 0,0-1-1 0 0,3-2 0 0 0,-6 5-680 0 0</inkml:trace>
+</inkml:ink>
+</file>
+
+<file path=ppt/ink/ink5.xml><?xml version="1.0" encoding="utf-8"?>
+<inkml:ink xmlns:inkml="http://www.w3.org/2003/InkML">
+  <inkml:definitions>
+    <inkml:context xml:id="ctx0">
+      <inkml:inkSource xml:id="inkSrc0">
+        <inkml:traceFormat>
+          <inkml:channel name="X" type="integer" min="-2.14748E9" max="2.14748E9" units="cm"/>
+          <inkml:channel name="Y" type="integer" min="-2.14748E9" max="2.14748E9" units="cm"/>
+          <inkml:channel name="F" type="integer" max="32767" units="dev"/>
+          <inkml:channel name="OA" type="integer" max="360" units="deg"/>
+          <inkml:channel name="OE" type="integer" max="90" units="deg"/>
+        </inkml:traceFormat>
+        <inkml:channelProperties>
+          <inkml:channelProperty channel="X" name="resolution" value="1000" units="1/cm"/>
+          <inkml:channelProperty channel="Y" name="resolution" value="1000" units="1/cm"/>
+          <inkml:channelProperty channel="F" name="resolution" value="0" units="1/dev"/>
+          <inkml:channelProperty channel="OA" name="resolution" value="1000" units="1/deg"/>
+          <inkml:channelProperty channel="OE" name="resolution" value="1000" units="1/deg"/>
+        </inkml:channelProperties>
+      </inkml:inkSource>
+      <inkml:timestamp xml:id="ts0" timeString="2020-11-13T18:00:49.259"/>
+    </inkml:context>
+    <inkml:brush xml:id="br0">
+      <inkml:brushProperty name="width" value="0.05" units="cm"/>
+      <inkml:brushProperty name="height" value="0.05" units="cm"/>
+      <inkml:brushProperty name="color" value="#004F8B"/>
+    </inkml:brush>
+  </inkml:definitions>
+  <inkml:trace contextRef="#ctx0" brushRef="#br0">579 11 16703 0 0,'-7'-4'1098'0'0,"6"4"-1066"0"0,1-1 0 0 0,-1 0 0 0 0,1 1 0 0 0,-1 0 0 0 0,0-1-1 0 0,1 1 1 0 0,-1-1 0 0 0,1 1 0 0 0,-1 0 0 0 0,0-1-1 0 0,1 1 1 0 0,-1 0 0 0 0,0 0 0 0 0,1-1 0 0 0,-1 1 0 0 0,0 0-1 0 0,1 0 1 0 0,-1 0 0 0 0,0 0 0 0 0,0 0 0 0 0,1 0-1 0 0,-1 0 1 0 0,0 0 0 0 0,0 0 0 0 0,0 1 0 0 0,-6 3 924 0 0,-1 1-504 0 0,1-1 0 0 0,0 2 0 0 0,0-1 1 0 0,-12 12-1 0 0,-128 173-254 0 0,98-122-187 0 0,-100 130 1823 0 0,146-194-1680 0 0,-1 0 1 0 0,1 0-1 0 0,0-1 1 0 0,-1 1-1 0 0,0-1 1 0 0,0 0 0 0 0,0 0-1 0 0,0 0 1 0 0,-5 2-1 0 0,8-5-118 0 0,0 1 0 0 0,0-1-1 0 0,-1 0 1 0 0,1 1-1 0 0,0-1 1 0 0,0 0 0 0 0,0 1-1 0 0,0-1 1 0 0,-1 0 0 0 0,1 0-1 0 0,0 0 1 0 0,0 0 0 0 0,0 0-1 0 0,0-1 1 0 0,-1 1 0 0 0,1 0-1 0 0,0 0 1 0 0,0-1 0 0 0,0 1-1 0 0,0-1 1 0 0,0 1 0 0 0,0-1-1 0 0,0 1 1 0 0,0-1-1 0 0,0 0 1 0 0,0 1 0 0 0,0-1-1 0 0,0 0 1 0 0,0 0 0 0 0,0 0-1 0 0,0 0 1 0 0,1 1 0 0 0,-1-1-1 0 0,0 0 1 0 0,1-1 0 0 0,-1 1-1 0 0,1 0 1 0 0,-1 0 0 0 0,1 0-1 0 0,0 0 1 0 0,-1 0 0 0 0,1-2-1 0 0,-4-9 129 0 0,1-1 0 0 0,0 1-1 0 0,1-1 1 0 0,0 0 0 0 0,1 0-1 0 0,1-16 1 0 0,2-4-104 0 0,7-41 1 0 0,-45 264-187 0 0,12-75-287 0 0,22-107 413 0 0,0 0 0 0 0,0 1 0 0 0,1-1 0 0 0,1 1 0 0 0,-1 0 0 0 0,3 15 0 0 0,-2-23 15 0 0,0 0 0 0 0,1 0 1 0 0,-1-1-1 0 0,1 1 0 0 0,-1 0 0 0 0,1 0 0 0 0,-1 0 0 0 0,1 0 0 0 0,0 0 1 0 0,-1-1-1 0 0,1 1 0 0 0,0 0 0 0 0,0 0 0 0 0,-1-1 0 0 0,1 1 0 0 0,0-1 0 0 0,0 1 1 0 0,0-1-1 0 0,0 1 0 0 0,0-1 0 0 0,0 1 0 0 0,0-1 0 0 0,0 0 0 0 0,0 0 1 0 0,0 1-1 0 0,0-1 0 0 0,0 0 0 0 0,0 0 0 0 0,0 0 0 0 0,0 0 0 0 0,0 0 1 0 0,2-1-1 0 0,4 0 131 0 0,1 0 0 0 0,-1 0 1 0 0,10-3-1 0 0,-14 3-135 0 0,4-2-138 0 0,0 0-1 0 0,-1 0 1 0 0,0 0-1 0 0,1-1 1 0 0,-2 1 0 0 0,1-2-1 0 0,7-5 1 0 0,2-1-1826 0 0,5-4-7355 0 0</inkml:trace>
+</inkml:ink>
+</file>
+
+<file path=ppt/ink/ink6.xml><?xml version="1.0" encoding="utf-8"?>
+<inkml:ink xmlns:inkml="http://www.w3.org/2003/InkML">
+  <inkml:definitions>
+    <inkml:context xml:id="ctx0">
+      <inkml:inkSource xml:id="inkSrc0">
+        <inkml:traceFormat>
+          <inkml:channel name="X" type="integer" min="-2.14748E9" max="2.14748E9" units="cm"/>
+          <inkml:channel name="Y" type="integer" min="-2.14748E9" max="2.14748E9" units="cm"/>
+          <inkml:channel name="F" type="integer" max="32767" units="dev"/>
+          <inkml:channel name="OA" type="integer" max="360" units="deg"/>
+          <inkml:channel name="OE" type="integer" max="90" units="deg"/>
+        </inkml:traceFormat>
+        <inkml:channelProperties>
+          <inkml:channelProperty channel="X" name="resolution" value="1000" units="1/cm"/>
+          <inkml:channelProperty channel="Y" name="resolution" value="1000" units="1/cm"/>
+          <inkml:channelProperty channel="F" name="resolution" value="0" units="1/dev"/>
+          <inkml:channelProperty channel="OA" name="resolution" value="1000" units="1/deg"/>
+          <inkml:channelProperty channel="OE" name="resolution" value="1000" units="1/deg"/>
+        </inkml:channelProperties>
+      </inkml:inkSource>
+      <inkml:timestamp xml:id="ts0" timeString="2020-11-13T18:00:50.030"/>
+    </inkml:context>
+    <inkml:brush xml:id="br0">
+      <inkml:brushProperty name="width" value="0.05" units="cm"/>
+      <inkml:brushProperty name="height" value="0.05" units="cm"/>
+      <inkml:brushProperty name="color" value="#004F8B"/>
+    </inkml:brush>
+  </inkml:definitions>
+  <inkml:trace contextRef="#ctx0" brushRef="#br0">19 199 2760 0 0,'-19'11'17455'0'0,"29"-9"-16672"0"0,0-1-1 0 0,-1 0 0 0 0,1 0 0 0 0,0-1 0 0 0,13-1 1 0 0,52-9-116 0 0,-15 1-233 0 0,140-17 1171 0 0,-162 23-1589 0 0,-1 1 67 0 0,0-2-1 0 0,60-14 1 0 0,-97 18-69 0 0,1 0 0 0 0,-1-1 0 0 0,1 1 0 0 0,0 0-1 0 0,-1 0 1 0 0,1 0 0 0 0,-1-1 0 0 0,1 1 0 0 0,-1 0 0 0 0,1 0-1 0 0,0-1 1 0 0,-1 1 0 0 0,0-1 0 0 0,1 1 0 0 0,-1 0 0 0 0,1-1-1 0 0,-1 1 1 0 0,1-1 0 0 0,-1 1 0 0 0,0-1 0 0 0,1 1 0 0 0,-1-2-1 0 0,0 2 18 0 0,0-1 0 0 0,0 1-1 0 0,0-1 1 0 0,0 0-1 0 0,0 1 1 0 0,0-1 0 0 0,0 1-1 0 0,0-1 1 0 0,-1 1-1 0 0,1-1 1 0 0,0 1-1 0 0,0-1 1 0 0,-1 1 0 0 0,1-1-1 0 0,0 1 1 0 0,-1-1-1 0 0,1 1 1 0 0,0 0 0 0 0,-1-1-1 0 0,-3-2 143 0 0,1 0-1 0 0,-1 0 0 0 0,1 1 1 0 0,-8-4-1 0 0,-92-41-172 0 0,66 35 84 0 0,23 9-9 0 0,0-2 0 0 0,1 0 0 0 0,-18-10 0 0 0,30 15 21 0 0,7-1 80 0 0,17-4-154 0 0,-1 1 0 0 0,1 1 0 0 0,0 1 0 0 0,41 1 0 0 0,8 0 44 0 0,-55 0-39 0 0,0 1 0 0 0,0 0 1 0 0,-1 1-1 0 0,32 7 0 0 0,-47-8-20 0 0,1 0 1 0 0,0 1-1 0 0,-1-1 1 0 0,0 1-1 0 0,1-1 0 0 0,-1 1 1 0 0,1 0-1 0 0,-1-1 0 0 0,0 1 1 0 0,1 0-1 0 0,-1 0 1 0 0,0 0-1 0 0,0 0 0 0 0,0 0 1 0 0,1 0-1 0 0,-1 1 0 0 0,-1-1 1 0 0,1 0-1 0 0,0 0 1 0 0,0 1-1 0 0,1 1 0 0 0,-2 0 19 0 0,1-1-1 0 0,-1 0 0 0 0,0 0 1 0 0,0 0-1 0 0,0 1 0 0 0,0-1 1 0 0,0 0-1 0 0,0 0 0 0 0,0 0 1 0 0,-1 0-1 0 0,1 1 1 0 0,-1-1-1 0 0,-1 3 0 0 0,-3 6 75 0 0,-1-1-1 0 0,0 0 1 0 0,0 0-1 0 0,-11 13 1 0 0,16-22-102 0 0,-11 14-210 0 0,-1 0 0 0 0,-1 0 0 0 0,0-2 0 0 0,-1 1 0 0 0,-1-2 0 0 0,0 0 0 0 0,0-1-1 0 0,-1 0 1 0 0,-1-2 0 0 0,-25 11 0 0 0,27-12-697 0 0,3 2-822 0 0</inkml:trace>
+</inkml:ink>
+</file>
+
+<file path=ppt/ink/ink7.xml><?xml version="1.0" encoding="utf-8"?>
+<inkml:ink xmlns:inkml="http://www.w3.org/2003/InkML">
+  <inkml:definitions>
+    <inkml:context xml:id="ctx0">
+      <inkml:inkSource xml:id="inkSrc0">
+        <inkml:traceFormat>
+          <inkml:channel name="X" type="integer" min="-2.14748E9" max="2.14748E9" units="cm"/>
+          <inkml:channel name="Y" type="integer" min="-2.14748E9" max="2.14748E9" units="cm"/>
+          <inkml:channel name="F" type="integer" max="32767" units="dev"/>
+          <inkml:channel name="OA" type="integer" max="360" units="deg"/>
+          <inkml:channel name="OE" type="integer" max="90" units="deg"/>
+        </inkml:traceFormat>
+        <inkml:channelProperties>
+          <inkml:channelProperty channel="X" name="resolution" value="1000" units="1/cm"/>
+          <inkml:channelProperty channel="Y" name="resolution" value="1000" units="1/cm"/>
+          <inkml:channelProperty channel="F" name="resolution" value="0" units="1/dev"/>
+          <inkml:channelProperty channel="OA" name="resolution" value="1000" units="1/deg"/>
+          <inkml:channelProperty channel="OE" name="resolution" value="1000" units="1/deg"/>
+        </inkml:channelProperties>
+      </inkml:inkSource>
+      <inkml:timestamp xml:id="ts0" timeString="2020-11-13T18:00:50.901"/>
+    </inkml:context>
+    <inkml:brush xml:id="br0">
+      <inkml:brushProperty name="width" value="0.05" units="cm"/>
+      <inkml:brushProperty name="height" value="0.05" units="cm"/>
+      <inkml:brushProperty name="color" value="#004F8B"/>
+    </inkml:brush>
+  </inkml:definitions>
+  <inkml:trace contextRef="#ctx0" brushRef="#br0">130 78 10104 0 0,'0'0'918'0'0,"2"-18"-214"0"0,-2 13-121 0 0,1 0 0 0 0,-1 0 0 0 0,1 1 0 0 0,3-7 0 0 0,1-15 1925 0 0,-5 26-2433 0 0,0 0 0 0 0,0 0 0 0 0,1 0 0 0 0,-1 0 0 0 0,0 0 0 0 0,0 0 0 0 0,0 1 0 0 0,0-1 0 0 0,0 0-1 0 0,0 0 1 0 0,0 0 0 0 0,1 0 0 0 0,-1 0 0 0 0,0 0 0 0 0,0 0 0 0 0,0 0 0 0 0,0 0 0 0 0,0 0 0 0 0,0 0 0 0 0,1 0 0 0 0,-1 0 0 0 0,0 0 0 0 0,0 0 0 0 0,0 0 0 0 0,0 0 0 0 0,0 0 0 0 0,0 0 0 0 0,1 0 0 0 0,-1 0 0 0 0,0 0 0 0 0,0 0 0 0 0,0 0 0 0 0,0-1 0 0 0,0 1 0 0 0,0 0 0 0 0,0 0 0 0 0,1 0 0 0 0,-1 0 0 0 0,0 0 0 0 0,0 0 0 0 0,0 0-1 0 0,0 0 1 0 0,0-1 0 0 0,0 1 0 0 0,0 0 0 0 0,0 0 0 0 0,0 0 0 0 0,0 0 0 0 0,0 0 0 0 0,0 0 0 0 0,0 0 0 0 0,0-1 0 0 0,0 1 0 0 0,0 0 0 0 0,0 0 0 0 0,0 0 0 0 0,0 0 0 0 0,0 0 0 0 0,0-1 0 0 0,0 1 0 0 0,0 0 0 0 0,0 0 0 0 0,0 0 0 0 0,0 0 0 0 0,6 10 1468 0 0,-3 12-1473 0 0,-1-1 0 0 0,-1 1-1 0 0,-1-1 1 0 0,-4 30 0 0 0,-19 88 4 0 0,14-85 67 0 0,1-15 326 0 0,-2-1 0 0 0,-1 0 1 0 0,-28 64-1 0 0,37-98-373 0 0,0 0 1 0 0,0 0 0 0 0,-1 0-1 0 0,-4 6 1 0 0,6-10-80 0 0,1 1 1 0 0,0-1 0 0 0,-1 1-1 0 0,1-1 1 0 0,0 0-1 0 0,0 1 1 0 0,-1-1 0 0 0,1 0-1 0 0,-1 1 1 0 0,1-1-1 0 0,0 0 1 0 0,-1 0 0 0 0,1 1-1 0 0,-1-1 1 0 0,1 0-1 0 0,0 0 1 0 0,-1 0 0 0 0,1 1-1 0 0,-1-1 1 0 0,1 0-1 0 0,-1 0 1 0 0,1 0 0 0 0,-1 0-1 0 0,1 0 1 0 0,-1 0-1 0 0,1 0 1 0 0,-1 0 0 0 0,1 0-1 0 0,-1 0 1 0 0,1 0-1 0 0,-1-1 1 0 0,1 1 0 0 0,0 0-1 0 0,-1 0 1 0 0,1 0-1 0 0,-1-1 1 0 0,1 1 0 0 0,-1 0-1 0 0,1 0 1 0 0,0-1-1 0 0,-1 1 1 0 0,1 0 0 0 0,0-1-1 0 0,-1 1 1 0 0,1 0-1 0 0,0-1 1 0 0,-1 1 0 0 0,1-1-1 0 0,0 1 1 0 0,0 0-1 0 0,0-1 1 0 0,-1 1 0 0 0,1-1-1 0 0,0 1 1 0 0,0-1-1 0 0,-4-8 127 0 0,1-1-1 0 0,0 1 0 0 0,1-1 0 0 0,0 0 0 0 0,0 0 0 0 0,0-14 0 0 0,1-2 28 0 0,4-34 1 0 0,-1 41-43 0 0,1 0-1 0 0,1 0 0 0 0,0 1 1 0 0,1 0-1 0 0,1 0 1 0 0,1 0-1 0 0,1 0 0 0 0,0 1 1 0 0,18-27-1 0 0,-18 34-29 0 0,0 1-1 0 0,0-1 1 0 0,1 2-1 0 0,0-1 1 0 0,1 1 0 0 0,0 0-1 0 0,0 1 1 0 0,13-7-1 0 0,0 1 195 0 0,1 2-1 0 0,48-16 0 0 0,-66 24-308 0 0,1 2 1 0 0,0-1-1 0 0,0 1 1 0 0,-1 0-1 0 0,1 0 1 0 0,0 1-1 0 0,0 0 0 0 0,0 0 1 0 0,0 0-1 0 0,12 3 1 0 0,-18-2 21 0 0,0-1 0 0 0,0 0 0 0 0,0 0 0 0 0,1 1-1 0 0,-1-1 1 0 0,0 1 0 0 0,0-1 0 0 0,0 1 0 0 0,0 0 0 0 0,0-1 0 0 0,0 1 0 0 0,0 0 0 0 0,-1 0 0 0 0,1 0 0 0 0,0 0 0 0 0,0-1 0 0 0,0 1 0 0 0,-1 0 0 0 0,1 0 0 0 0,-1 0 0 0 0,1 1 0 0 0,-1-1 0 0 0,1 0-1 0 0,-1 0 1 0 0,1 0 0 0 0,-1 2 0 0 0,0 0 5 0 0,1 0 0 0 0,-1-1 0 0 0,-1 1 0 0 0,1 0 0 0 0,0-1-1 0 0,-1 1 1 0 0,0 3 0 0 0,-1-2 1 0 0,1 0 1 0 0,-1 1-1 0 0,0-1 0 0 0,0 0 1 0 0,0-1-1 0 0,-1 1 0 0 0,0 0 1 0 0,1-1-1 0 0,-1 1 0 0 0,0-1 0 0 0,-1 0 1 0 0,1 0-1 0 0,-1 0 0 0 0,1 0 1 0 0,-1-1-1 0 0,0 1 0 0 0,-6 2 1 0 0,0-1-87 0 0,1 0 0 0 0,-1 0 1 0 0,0-1-1 0 0,1-1 0 0 0,-1 0 1 0 0,-19 2-1 0 0,23-4-148 0 0,-1 0 0 0 0,1 0 0 0 0,-1 0 0 0 0,-6-2 0 0 0,11 1-185 0 0,-1 1 1 0 0,1-1-1 0 0,-1 0 0 0 0,1 1 1 0 0,-1-1-1 0 0,1 0 1 0 0,0 0-1 0 0,0-1 0 0 0,0 1 1 0 0,-1 0-1 0 0,1-1 0 0 0,0 1 1 0 0,-2-3-1 0 0,1-2-1986 0 0</inkml:trace>
+</inkml:ink>
+</file>
+
+<file path=ppt/ink/ink8.xml><?xml version="1.0" encoding="utf-8"?>
+<inkml:ink xmlns:inkml="http://www.w3.org/2003/InkML">
+  <inkml:definitions>
+    <inkml:context xml:id="ctx0">
+      <inkml:inkSource xml:id="inkSrc0">
+        <inkml:traceFormat>
+          <inkml:channel name="X" type="integer" min="-2.14748E9" max="2.14748E9" units="cm"/>
+          <inkml:channel name="Y" type="integer" min="-2.14748E9" max="2.14748E9" units="cm"/>
+          <inkml:channel name="F" type="integer" max="32767" units="dev"/>
+          <inkml:channel name="OA" type="integer" max="360" units="deg"/>
+          <inkml:channel name="OE" type="integer" max="90" units="deg"/>
+        </inkml:traceFormat>
+        <inkml:channelProperties>
+          <inkml:channelProperty channel="X" name="resolution" value="1000" units="1/cm"/>
+          <inkml:channelProperty channel="Y" name="resolution" value="1000" units="1/cm"/>
+          <inkml:channelProperty channel="F" name="resolution" value="0" units="1/dev"/>
+          <inkml:channelProperty channel="OA" name="resolution" value="1000" units="1/deg"/>
+          <inkml:channelProperty channel="OE" name="resolution" value="1000" units="1/deg"/>
+        </inkml:channelProperties>
+      </inkml:inkSource>
+      <inkml:timestamp xml:id="ts0" timeString="2020-11-13T18:00:51.246"/>
+    </inkml:context>
+    <inkml:brush xml:id="br0">
+      <inkml:brushProperty name="width" value="0.05" units="cm"/>
+      <inkml:brushProperty name="height" value="0.05" units="cm"/>
+      <inkml:brushProperty name="color" value="#004F8B"/>
+    </inkml:brush>
+  </inkml:definitions>
+  <inkml:trace contextRef="#ctx0" brushRef="#br0">48 318 8288 0 0,'0'-1'82'0'0,"1"0"0"0"0,-1 0 0 0 0,1 0 0 0 0,-1 0 1 0 0,1 0-1 0 0,-1 0 0 0 0,12-6 9668 0 0,-12 35-5101 0 0,-35 107-2656 0 0,26-107-1995 0 0,-6 38 0 0 0,11-25-4011 0 0</inkml:trace>
+  <inkml:trace contextRef="#ctx0" brushRef="#br0" timeOffset="1">180 33 10136 0 0,'7'-10'896'0'0,"-2"0"-712"0"0,-5-2 5495 0 0</inkml:trace>
+</inkml:ink>
+</file>
+
+<file path=ppt/ink/ink9.xml><?xml version="1.0" encoding="utf-8"?>
+<inkml:ink xmlns:inkml="http://www.w3.org/2003/InkML">
+  <inkml:definitions>
+    <inkml:context xml:id="ctx0">
+      <inkml:inkSource xml:id="inkSrc0">
+        <inkml:traceFormat>
+          <inkml:channel name="X" type="integer" min="-2.14748E9" max="2.14748E9" units="cm"/>
+          <inkml:channel name="Y" type="integer" min="-2.14748E9" max="2.14748E9" units="cm"/>
+          <inkml:channel name="F" type="integer" max="32767" units="dev"/>
+          <inkml:channel name="OA" type="integer" max="360" units="deg"/>
+          <inkml:channel name="OE" type="integer" max="90" units="deg"/>
+        </inkml:traceFormat>
+        <inkml:channelProperties>
+          <inkml:channelProperty channel="X" name="resolution" value="1000" units="1/cm"/>
+          <inkml:channelProperty channel="Y" name="resolution" value="1000" units="1/cm"/>
+          <inkml:channelProperty channel="F" name="resolution" value="0" units="1/dev"/>
+          <inkml:channelProperty channel="OA" name="resolution" value="1000" units="1/deg"/>
+          <inkml:channelProperty channel="OE" name="resolution" value="1000" units="1/deg"/>
+        </inkml:channelProperties>
+      </inkml:inkSource>
+      <inkml:timestamp xml:id="ts0" timeString="2020-11-13T18:00:51.596"/>
+    </inkml:context>
+    <inkml:brush xml:id="br0">
+      <inkml:brushProperty name="width" value="0.05" units="cm"/>
+      <inkml:brushProperty name="height" value="0.05" units="cm"/>
+      <inkml:brushProperty name="color" value="#004F8B"/>
+    </inkml:brush>
+  </inkml:definitions>
+  <inkml:trace contextRef="#ctx0" brushRef="#br0">267 1 17999 0 0,'-16'0'631'0'0,"-1"1"-1"0"0,1 1 1 0 0,0 0-1 0 0,0 1 1 0 0,-28 10-1 0 0,35-10-340 0 0,0 1 0 0 0,0 0 0 0 0,0 1-1 0 0,1-1 1 0 0,0 2 0 0 0,0-1 0 0 0,0 1-1 0 0,0 0 1 0 0,1 1 0 0 0,0-1-1 0 0,-6 10 1 0 0,3-4-127 0 0,6-7-92 0 0,0 0 1 0 0,0 0 0 0 0,0 0 0 0 0,-4 10 0 0 0,7-14-56 0 0,0 1 0 0 0,1 0 1 0 0,-1-1-1 0 0,1 1 0 0 0,0 0 0 0 0,-1-1 0 0 0,1 1 0 0 0,0 0 0 0 0,0-1 0 0 0,0 1 0 0 0,0 0 0 0 0,0 0 0 0 0,1-1 0 0 0,-1 1 1 0 0,0 0-1 0 0,1-1 0 0 0,-1 1 0 0 0,1 0 0 0 0,0-1 0 0 0,-1 1 0 0 0,1-1 0 0 0,1 2 0 0 0,-1-2-2 0 0,0 0 0 0 0,0-1-1 0 0,0 1 1 0 0,0 0 0 0 0,0-1 0 0 0,0 0-1 0 0,0 1 1 0 0,0-1 0 0 0,0 1 0 0 0,0-1-1 0 0,0 0 1 0 0,0 0 0 0 0,0 0 0 0 0,0 1-1 0 0,0-1 1 0 0,0 0 0 0 0,0 0 0 0 0,0-1-1 0 0,0 1 1 0 0,0 0 0 0 0,0 0 0 0 0,0 0-1 0 0,0-1 1 0 0,1 0 0 0 0,30-10 224 0 0,-27 9-204 0 0,13-7 240 0 0,0-1 0 0 0,0-1 0 0 0,-1-1 0 0 0,-1 0 0 0 0,27-26 0 0 0,-15 13 482 0 0,-28 25-724 0 0,1-1-1 0 0,-1 1 1 0 0,0 0 0 0 0,1-1-1 0 0,-1 1 1 0 0,1 0-1 0 0,-1-1 1 0 0,1 1 0 0 0,-1 0-1 0 0,1 0 1 0 0,-1-1-1 0 0,1 1 1 0 0,-1 0 0 0 0,1 0-1 0 0,-1 0 1 0 0,1 0 0 0 0,-1 0-1 0 0,1 0 1 0 0,-1-1-1 0 0,1 1 1 0 0,-1 1 0 0 0,1-1-1 0 0,-1 0 1 0 0,1 0-1 0 0,-1 0 1 0 0,2 0 0 0 0,-2 1-18 0 0,1-1 1 0 0,0 1 0 0 0,-1-1 0 0 0,1 1-1 0 0,-1 0 1 0 0,1-1 0 0 0,-1 1-1 0 0,1 0 1 0 0,-1-1 0 0 0,0 1 0 0 0,1 0-1 0 0,-1 0 1 0 0,0-1 0 0 0,1 1 0 0 0,-1 1-1 0 0,1 3-5 0 0,0 1 0 0 0,0-1 0 0 0,-1 10 0 0 0,-1 13 13 0 0,-2-1-1 0 0,-1 0 1 0 0,-8 28-1 0 0,5-19-21 0 0,5-26-23 0 0,0-1 0 0 0,1 1 0 0 0,0 0 0 0 0,1-1 0 0 0,0 1-1 0 0,3 12 1 0 0,-3-22-29 0 0,0 1-1 0 0,0-1 0 0 0,0 1 1 0 0,0-1-1 0 0,0 1 0 0 0,0-1 0 0 0,0 0 1 0 0,0 1-1 0 0,0-1 0 0 0,0 1 1 0 0,0-1-1 0 0,1 0 0 0 0,-1 1 0 0 0,0-1 1 0 0,0 1-1 0 0,0-1 0 0 0,1 0 1 0 0,-1 1-1 0 0,0-1 0 0 0,1 0 0 0 0,-1 1 1 0 0,0-1-1 0 0,1 0 0 0 0,-1 0 0 0 0,0 1 1 0 0,1-1-1 0 0,-1 0 0 0 0,0 0 1 0 0,1 0-1 0 0,-1 0 0 0 0,1 1 0 0 0,-1-1 1 0 0,0 0-1 0 0,2 0 0 0 0,-1 0-656 0 0,0-1 0 0 0,0 1 0 0 0,0-1-1 0 0,0 1 1 0 0,1-1 0 0 0,-1 1 0 0 0,0-1 0 0 0,0 0-1 0 0,0 1 1 0 0,0-1 0 0 0,1-1 0 0 0,10-10-7856 0 0</inkml:trace>
+</inkml:ink>
 </file>
 
 <file path=ppt/notesMasters/notesMaster1.xml><?xml version="1.0" encoding="utf-8"?>
@@ -836,7 +1445,7 @@
           <a:p>
             <a:fld id="{3A2BF66F-FEB0-48C1-A8B9-A73F54BB1A08}" type="datetimeFigureOut">
               <a:rPr lang="en-US" smtClean="0"/>
-              <a:t>11/11/2020</a:t>
+              <a:t>11/13/2020</a:t>
             </a:fld>
             <a:endParaRPr lang="en-US"/>
           </a:p>
@@ -1036,7 +1645,7 @@
           <a:p>
             <a:fld id="{3A2BF66F-FEB0-48C1-A8B9-A73F54BB1A08}" type="datetimeFigureOut">
               <a:rPr lang="en-US" smtClean="0"/>
-              <a:t>11/11/2020</a:t>
+              <a:t>11/13/2020</a:t>
             </a:fld>
             <a:endParaRPr lang="en-US"/>
           </a:p>
@@ -1246,7 +1855,7 @@
           <a:p>
             <a:fld id="{3A2BF66F-FEB0-48C1-A8B9-A73F54BB1A08}" type="datetimeFigureOut">
               <a:rPr lang="en-US" smtClean="0"/>
-              <a:t>11/11/2020</a:t>
+              <a:t>11/13/2020</a:t>
             </a:fld>
             <a:endParaRPr lang="en-US"/>
           </a:p>
@@ -1446,7 +2055,7 @@
           <a:p>
             <a:fld id="{3A2BF66F-FEB0-48C1-A8B9-A73F54BB1A08}" type="datetimeFigureOut">
               <a:rPr lang="en-US" smtClean="0"/>
-              <a:t>11/11/2020</a:t>
+              <a:t>11/13/2020</a:t>
             </a:fld>
             <a:endParaRPr lang="en-US"/>
           </a:p>
@@ -1723,7 +2332,7 @@
           <a:p>
             <a:fld id="{3A2BF66F-FEB0-48C1-A8B9-A73F54BB1A08}" type="datetimeFigureOut">
               <a:rPr lang="en-US" smtClean="0"/>
-              <a:t>11/11/2020</a:t>
+              <a:t>11/13/2020</a:t>
             </a:fld>
             <a:endParaRPr lang="en-US"/>
           </a:p>
@@ -1990,7 +2599,7 @@
           <a:p>
             <a:fld id="{3A2BF66F-FEB0-48C1-A8B9-A73F54BB1A08}" type="datetimeFigureOut">
               <a:rPr lang="en-US" smtClean="0"/>
-              <a:t>11/11/2020</a:t>
+              <a:t>11/13/2020</a:t>
             </a:fld>
             <a:endParaRPr lang="en-US"/>
           </a:p>
@@ -2404,7 +3013,7 @@
           <a:p>
             <a:fld id="{3A2BF66F-FEB0-48C1-A8B9-A73F54BB1A08}" type="datetimeFigureOut">
               <a:rPr lang="en-US" smtClean="0"/>
-              <a:t>11/11/2020</a:t>
+              <a:t>11/13/2020</a:t>
             </a:fld>
             <a:endParaRPr lang="en-US"/>
           </a:p>
@@ -2547,7 +3156,7 @@
           <a:p>
             <a:fld id="{3A2BF66F-FEB0-48C1-A8B9-A73F54BB1A08}" type="datetimeFigureOut">
               <a:rPr lang="en-US" smtClean="0"/>
-              <a:t>11/11/2020</a:t>
+              <a:t>11/13/2020</a:t>
             </a:fld>
             <a:endParaRPr lang="en-US"/>
           </a:p>
@@ -2662,7 +3271,7 @@
           <a:p>
             <a:fld id="{3A2BF66F-FEB0-48C1-A8B9-A73F54BB1A08}" type="datetimeFigureOut">
               <a:rPr lang="en-US" smtClean="0"/>
-              <a:t>11/11/2020</a:t>
+              <a:t>11/13/2020</a:t>
             </a:fld>
             <a:endParaRPr lang="en-US"/>
           </a:p>
@@ -2974,7 +3583,7 @@
           <a:p>
             <a:fld id="{3A2BF66F-FEB0-48C1-A8B9-A73F54BB1A08}" type="datetimeFigureOut">
               <a:rPr lang="en-US" smtClean="0"/>
-              <a:t>11/11/2020</a:t>
+              <a:t>11/13/2020</a:t>
             </a:fld>
             <a:endParaRPr lang="en-US"/>
           </a:p>
@@ -3264,7 +3873,7 @@
           <a:p>
             <a:fld id="{3A2BF66F-FEB0-48C1-A8B9-A73F54BB1A08}" type="datetimeFigureOut">
               <a:rPr lang="en-US" smtClean="0"/>
-              <a:t>11/11/2020</a:t>
+              <a:t>11/13/2020</a:t>
             </a:fld>
             <a:endParaRPr lang="en-US"/>
           </a:p>
@@ -3507,7 +4116,7 @@
           <a:p>
             <a:fld id="{3A2BF66F-FEB0-48C1-A8B9-A73F54BB1A08}" type="datetimeFigureOut">
               <a:rPr lang="en-US" smtClean="0"/>
-              <a:t>11/11/2020</a:t>
+              <a:t>11/13/2020</a:t>
             </a:fld>
             <a:endParaRPr lang="en-US"/>
           </a:p>
@@ -4214,6 +4823,966 @@
           </a:p>
         </p:txBody>
       </p:sp>
+      <mc:AlternateContent xmlns:mc="http://schemas.openxmlformats.org/markup-compatibility/2006">
+        <mc:Choice xmlns:p14="http://schemas.microsoft.com/office/powerpoint/2010/main" Requires="p14">
+          <p:contentPart p14:bwMode="auto" r:id="rId2">
+            <p14:nvContentPartPr>
+              <p14:cNvPr id="4" name="Ink 3">
+                <a:extLst>
+                  <a:ext uri="{FF2B5EF4-FFF2-40B4-BE49-F238E27FC236}">
+                    <a16:creationId xmlns:a16="http://schemas.microsoft.com/office/drawing/2014/main" id="{947464E9-2998-4AFF-AF42-A0E66D2350F4}"/>
+                  </a:ext>
+                </a:extLst>
+              </p14:cNvPr>
+              <p14:cNvContentPartPr/>
+              <p14:nvPr/>
+            </p14:nvContentPartPr>
+            <p14:xfrm>
+              <a:off x="2240569" y="1716019"/>
+              <a:ext cx="764640" cy="41040"/>
+            </p14:xfrm>
+          </p:contentPart>
+        </mc:Choice>
+        <mc:Fallback>
+          <p:pic>
+            <p:nvPicPr>
+              <p:cNvPr id="4" name="Ink 3">
+                <a:extLst>
+                  <a:ext uri="{FF2B5EF4-FFF2-40B4-BE49-F238E27FC236}">
+                    <a16:creationId xmlns:a16="http://schemas.microsoft.com/office/drawing/2014/main" id="{947464E9-2998-4AFF-AF42-A0E66D2350F4}"/>
+                  </a:ext>
+                </a:extLst>
+              </p:cNvPr>
+              <p:cNvPicPr/>
+              <p:nvPr/>
+            </p:nvPicPr>
+            <p:blipFill>
+              <a:blip r:embed="rId3"/>
+              <a:stretch>
+                <a:fillRect/>
+              </a:stretch>
+            </p:blipFill>
+            <p:spPr>
+              <a:xfrm>
+                <a:off x="2231569" y="1707019"/>
+                <a:ext cx="782280" cy="58680"/>
+              </a:xfrm>
+              <a:prstGeom prst="rect">
+                <a:avLst/>
+              </a:prstGeom>
+            </p:spPr>
+          </p:pic>
+        </mc:Fallback>
+      </mc:AlternateContent>
+      <mc:AlternateContent xmlns:mc="http://schemas.openxmlformats.org/markup-compatibility/2006">
+        <mc:Choice xmlns:p14="http://schemas.microsoft.com/office/powerpoint/2010/main" Requires="p14">
+          <p:contentPart p14:bwMode="auto" r:id="rId4">
+            <p14:nvContentPartPr>
+              <p14:cNvPr id="5" name="Ink 4">
+                <a:extLst>
+                  <a:ext uri="{FF2B5EF4-FFF2-40B4-BE49-F238E27FC236}">
+                    <a16:creationId xmlns:a16="http://schemas.microsoft.com/office/drawing/2014/main" id="{EAA869F8-CE1A-4D03-939F-F1932ABEA6E5}"/>
+                  </a:ext>
+                </a:extLst>
+              </p14:cNvPr>
+              <p14:cNvContentPartPr/>
+              <p14:nvPr/>
+            </p14:nvContentPartPr>
+            <p14:xfrm>
+              <a:off x="2269729" y="2060539"/>
+              <a:ext cx="808200" cy="63000"/>
+            </p14:xfrm>
+          </p:contentPart>
+        </mc:Choice>
+        <mc:Fallback>
+          <p:pic>
+            <p:nvPicPr>
+              <p:cNvPr id="5" name="Ink 4">
+                <a:extLst>
+                  <a:ext uri="{FF2B5EF4-FFF2-40B4-BE49-F238E27FC236}">
+                    <a16:creationId xmlns:a16="http://schemas.microsoft.com/office/drawing/2014/main" id="{EAA869F8-CE1A-4D03-939F-F1932ABEA6E5}"/>
+                  </a:ext>
+                </a:extLst>
+              </p:cNvPr>
+              <p:cNvPicPr/>
+              <p:nvPr/>
+            </p:nvPicPr>
+            <p:blipFill>
+              <a:blip r:embed="rId5"/>
+              <a:stretch>
+                <a:fillRect/>
+              </a:stretch>
+            </p:blipFill>
+            <p:spPr>
+              <a:xfrm>
+                <a:off x="2261089" y="2051539"/>
+                <a:ext cx="825840" cy="80640"/>
+              </a:xfrm>
+              <a:prstGeom prst="rect">
+                <a:avLst/>
+              </a:prstGeom>
+            </p:spPr>
+          </p:pic>
+        </mc:Fallback>
+      </mc:AlternateContent>
+      <mc:AlternateContent xmlns:mc="http://schemas.openxmlformats.org/markup-compatibility/2006">
+        <mc:Choice xmlns:p14="http://schemas.microsoft.com/office/powerpoint/2010/main" Requires="p14">
+          <p:contentPart p14:bwMode="auto" r:id="rId6">
+            <p14:nvContentPartPr>
+              <p14:cNvPr id="6" name="Ink 5">
+                <a:extLst>
+                  <a:ext uri="{FF2B5EF4-FFF2-40B4-BE49-F238E27FC236}">
+                    <a16:creationId xmlns:a16="http://schemas.microsoft.com/office/drawing/2014/main" id="{A4A84817-C656-4B4D-BAF8-BA89AA05411C}"/>
+                  </a:ext>
+                </a:extLst>
+              </p14:cNvPr>
+              <p14:cNvContentPartPr/>
+              <p14:nvPr/>
+            </p14:nvContentPartPr>
+            <p14:xfrm>
+              <a:off x="1831249" y="2452939"/>
+              <a:ext cx="1175040" cy="50760"/>
+            </p14:xfrm>
+          </p:contentPart>
+        </mc:Choice>
+        <mc:Fallback>
+          <p:pic>
+            <p:nvPicPr>
+              <p:cNvPr id="6" name="Ink 5">
+                <a:extLst>
+                  <a:ext uri="{FF2B5EF4-FFF2-40B4-BE49-F238E27FC236}">
+                    <a16:creationId xmlns:a16="http://schemas.microsoft.com/office/drawing/2014/main" id="{A4A84817-C656-4B4D-BAF8-BA89AA05411C}"/>
+                  </a:ext>
+                </a:extLst>
+              </p:cNvPr>
+              <p:cNvPicPr/>
+              <p:nvPr/>
+            </p:nvPicPr>
+            <p:blipFill>
+              <a:blip r:embed="rId7"/>
+              <a:stretch>
+                <a:fillRect/>
+              </a:stretch>
+            </p:blipFill>
+            <p:spPr>
+              <a:xfrm>
+                <a:off x="1822609" y="2444299"/>
+                <a:ext cx="1192680" cy="68400"/>
+              </a:xfrm>
+              <a:prstGeom prst="rect">
+                <a:avLst/>
+              </a:prstGeom>
+            </p:spPr>
+          </p:pic>
+        </mc:Fallback>
+      </mc:AlternateContent>
+      <mc:AlternateContent xmlns:mc="http://schemas.openxmlformats.org/markup-compatibility/2006">
+        <mc:Choice xmlns:p14="http://schemas.microsoft.com/office/powerpoint/2010/main" Requires="p14">
+          <p:contentPart p14:bwMode="auto" r:id="rId8">
+            <p14:nvContentPartPr>
+              <p14:cNvPr id="7" name="Ink 6">
+                <a:extLst>
+                  <a:ext uri="{FF2B5EF4-FFF2-40B4-BE49-F238E27FC236}">
+                    <a16:creationId xmlns:a16="http://schemas.microsoft.com/office/drawing/2014/main" id="{B49C4248-04A5-4318-9F84-60BF82162FF2}"/>
+                  </a:ext>
+                </a:extLst>
+              </p14:cNvPr>
+              <p14:cNvContentPartPr/>
+              <p14:nvPr/>
+            </p14:nvContentPartPr>
+            <p14:xfrm>
+              <a:off x="3026809" y="2877739"/>
+              <a:ext cx="1564560" cy="68040"/>
+            </p14:xfrm>
+          </p:contentPart>
+        </mc:Choice>
+        <mc:Fallback>
+          <p:pic>
+            <p:nvPicPr>
+              <p:cNvPr id="7" name="Ink 6">
+                <a:extLst>
+                  <a:ext uri="{FF2B5EF4-FFF2-40B4-BE49-F238E27FC236}">
+                    <a16:creationId xmlns:a16="http://schemas.microsoft.com/office/drawing/2014/main" id="{B49C4248-04A5-4318-9F84-60BF82162FF2}"/>
+                  </a:ext>
+                </a:extLst>
+              </p:cNvPr>
+              <p:cNvPicPr/>
+              <p:nvPr/>
+            </p:nvPicPr>
+            <p:blipFill>
+              <a:blip r:embed="rId9"/>
+              <a:stretch>
+                <a:fillRect/>
+              </a:stretch>
+            </p:blipFill>
+            <p:spPr>
+              <a:xfrm>
+                <a:off x="3017809" y="2869099"/>
+                <a:ext cx="1582200" cy="85680"/>
+              </a:xfrm>
+              <a:prstGeom prst="rect">
+                <a:avLst/>
+              </a:prstGeom>
+            </p:spPr>
+          </p:pic>
+        </mc:Fallback>
+      </mc:AlternateContent>
+      <p:grpSp>
+        <p:nvGrpSpPr>
+          <p:cNvPr id="16" name="Group 15">
+            <a:extLst>
+              <a:ext uri="{FF2B5EF4-FFF2-40B4-BE49-F238E27FC236}">
+                <a16:creationId xmlns:a16="http://schemas.microsoft.com/office/drawing/2014/main" id="{99E568DB-5B41-49A5-B40B-4CC021386D00}"/>
+              </a:ext>
+            </a:extLst>
+          </p:cNvPr>
+          <p:cNvGrpSpPr/>
+          <p:nvPr/>
+        </p:nvGrpSpPr>
+        <p:grpSpPr>
+          <a:xfrm>
+            <a:off x="5267809" y="2263579"/>
+            <a:ext cx="1374480" cy="605880"/>
+            <a:chOff x="5267809" y="2263579"/>
+            <a:chExt cx="1374480" cy="605880"/>
+          </a:xfrm>
+        </p:grpSpPr>
+        <mc:AlternateContent xmlns:mc="http://schemas.openxmlformats.org/markup-compatibility/2006">
+          <mc:Choice xmlns:p14="http://schemas.microsoft.com/office/powerpoint/2010/main" Requires="p14">
+            <p:contentPart p14:bwMode="auto" r:id="rId10">
+              <p14:nvContentPartPr>
+                <p14:cNvPr id="8" name="Ink 7">
+                  <a:extLst>
+                    <a:ext uri="{FF2B5EF4-FFF2-40B4-BE49-F238E27FC236}">
+                      <a16:creationId xmlns:a16="http://schemas.microsoft.com/office/drawing/2014/main" id="{CBCD4E44-2F31-4311-90B8-102FC3E8A3E2}"/>
+                    </a:ext>
+                  </a:extLst>
+                </p14:cNvPr>
+                <p14:cNvContentPartPr/>
+                <p14:nvPr/>
+              </p14:nvContentPartPr>
+              <p14:xfrm>
+                <a:off x="5267809" y="2263579"/>
+                <a:ext cx="208440" cy="251640"/>
+              </p14:xfrm>
+            </p:contentPart>
+          </mc:Choice>
+          <mc:Fallback>
+            <p:pic>
+              <p:nvPicPr>
+                <p:cNvPr id="8" name="Ink 7">
+                  <a:extLst>
+                    <a:ext uri="{FF2B5EF4-FFF2-40B4-BE49-F238E27FC236}">
+                      <a16:creationId xmlns:a16="http://schemas.microsoft.com/office/drawing/2014/main" id="{CBCD4E44-2F31-4311-90B8-102FC3E8A3E2}"/>
+                    </a:ext>
+                  </a:extLst>
+                </p:cNvPr>
+                <p:cNvPicPr/>
+                <p:nvPr/>
+              </p:nvPicPr>
+              <p:blipFill>
+                <a:blip r:embed="rId11"/>
+                <a:stretch>
+                  <a:fillRect/>
+                </a:stretch>
+              </p:blipFill>
+              <p:spPr>
+                <a:xfrm>
+                  <a:off x="5258809" y="2254939"/>
+                  <a:ext cx="226080" cy="269280"/>
+                </a:xfrm>
+                <a:prstGeom prst="rect">
+                  <a:avLst/>
+                </a:prstGeom>
+              </p:spPr>
+            </p:pic>
+          </mc:Fallback>
+        </mc:AlternateContent>
+        <mc:AlternateContent xmlns:mc="http://schemas.openxmlformats.org/markup-compatibility/2006">
+          <mc:Choice xmlns:p14="http://schemas.microsoft.com/office/powerpoint/2010/main" Requires="p14">
+            <p:contentPart p14:bwMode="auto" r:id="rId12">
+              <p14:nvContentPartPr>
+                <p14:cNvPr id="9" name="Ink 8">
+                  <a:extLst>
+                    <a:ext uri="{FF2B5EF4-FFF2-40B4-BE49-F238E27FC236}">
+                      <a16:creationId xmlns:a16="http://schemas.microsoft.com/office/drawing/2014/main" id="{0D98AD7A-8F4E-436C-9674-C06C3D055BCB}"/>
+                    </a:ext>
+                  </a:extLst>
+                </p14:cNvPr>
+                <p14:cNvContentPartPr/>
+                <p14:nvPr/>
+              </p14:nvContentPartPr>
+              <p14:xfrm>
+                <a:off x="5387329" y="2644819"/>
+                <a:ext cx="274680" cy="106200"/>
+              </p14:xfrm>
+            </p:contentPart>
+          </mc:Choice>
+          <mc:Fallback>
+            <p:pic>
+              <p:nvPicPr>
+                <p:cNvPr id="9" name="Ink 8">
+                  <a:extLst>
+                    <a:ext uri="{FF2B5EF4-FFF2-40B4-BE49-F238E27FC236}">
+                      <a16:creationId xmlns:a16="http://schemas.microsoft.com/office/drawing/2014/main" id="{0D98AD7A-8F4E-436C-9674-C06C3D055BCB}"/>
+                    </a:ext>
+                  </a:extLst>
+                </p:cNvPr>
+                <p:cNvPicPr/>
+                <p:nvPr/>
+              </p:nvPicPr>
+              <p:blipFill>
+                <a:blip r:embed="rId13"/>
+                <a:stretch>
+                  <a:fillRect/>
+                </a:stretch>
+              </p:blipFill>
+              <p:spPr>
+                <a:xfrm>
+                  <a:off x="5378329" y="2636179"/>
+                  <a:ext cx="292320" cy="123840"/>
+                </a:xfrm>
+                <a:prstGeom prst="rect">
+                  <a:avLst/>
+                </a:prstGeom>
+              </p:spPr>
+            </p:pic>
+          </mc:Fallback>
+        </mc:AlternateContent>
+        <mc:AlternateContent xmlns:mc="http://schemas.openxmlformats.org/markup-compatibility/2006">
+          <mc:Choice xmlns:p14="http://schemas.microsoft.com/office/powerpoint/2010/main" Requires="p14">
+            <p:contentPart p14:bwMode="auto" r:id="rId14">
+              <p14:nvContentPartPr>
+                <p14:cNvPr id="10" name="Ink 9">
+                  <a:extLst>
+                    <a:ext uri="{FF2B5EF4-FFF2-40B4-BE49-F238E27FC236}">
+                      <a16:creationId xmlns:a16="http://schemas.microsoft.com/office/drawing/2014/main" id="{B05F0975-99E6-4529-84B4-7FD9331AFE12}"/>
+                    </a:ext>
+                  </a:extLst>
+                </p14:cNvPr>
+                <p14:cNvContentPartPr/>
+                <p14:nvPr/>
+              </p14:nvContentPartPr>
+              <p14:xfrm>
+                <a:off x="5759209" y="2657059"/>
+                <a:ext cx="144000" cy="212400"/>
+              </p14:xfrm>
+            </p:contentPart>
+          </mc:Choice>
+          <mc:Fallback>
+            <p:pic>
+              <p:nvPicPr>
+                <p:cNvPr id="10" name="Ink 9">
+                  <a:extLst>
+                    <a:ext uri="{FF2B5EF4-FFF2-40B4-BE49-F238E27FC236}">
+                      <a16:creationId xmlns:a16="http://schemas.microsoft.com/office/drawing/2014/main" id="{B05F0975-99E6-4529-84B4-7FD9331AFE12}"/>
+                    </a:ext>
+                  </a:extLst>
+                </p:cNvPr>
+                <p:cNvPicPr/>
+                <p:nvPr/>
+              </p:nvPicPr>
+              <p:blipFill>
+                <a:blip r:embed="rId15"/>
+                <a:stretch>
+                  <a:fillRect/>
+                </a:stretch>
+              </p:blipFill>
+              <p:spPr>
+                <a:xfrm>
+                  <a:off x="5750209" y="2648419"/>
+                  <a:ext cx="161640" cy="230040"/>
+                </a:xfrm>
+                <a:prstGeom prst="rect">
+                  <a:avLst/>
+                </a:prstGeom>
+              </p:spPr>
+            </p:pic>
+          </mc:Fallback>
+        </mc:AlternateContent>
+        <mc:AlternateContent xmlns:mc="http://schemas.openxmlformats.org/markup-compatibility/2006">
+          <mc:Choice xmlns:p14="http://schemas.microsoft.com/office/powerpoint/2010/main" Requires="p14">
+            <p:contentPart p14:bwMode="auto" r:id="rId16">
+              <p14:nvContentPartPr>
+                <p14:cNvPr id="11" name="Ink 10">
+                  <a:extLst>
+                    <a:ext uri="{FF2B5EF4-FFF2-40B4-BE49-F238E27FC236}">
+                      <a16:creationId xmlns:a16="http://schemas.microsoft.com/office/drawing/2014/main" id="{8A5CC779-BA07-4365-9B6E-68F4EC18164B}"/>
+                    </a:ext>
+                  </a:extLst>
+                </p14:cNvPr>
+                <p14:cNvContentPartPr/>
+                <p14:nvPr/>
+              </p14:nvContentPartPr>
+              <p14:xfrm>
+                <a:off x="5931289" y="2521699"/>
+                <a:ext cx="69480" cy="216720"/>
+              </p14:xfrm>
+            </p:contentPart>
+          </mc:Choice>
+          <mc:Fallback>
+            <p:pic>
+              <p:nvPicPr>
+                <p:cNvPr id="11" name="Ink 10">
+                  <a:extLst>
+                    <a:ext uri="{FF2B5EF4-FFF2-40B4-BE49-F238E27FC236}">
+                      <a16:creationId xmlns:a16="http://schemas.microsoft.com/office/drawing/2014/main" id="{8A5CC779-BA07-4365-9B6E-68F4EC18164B}"/>
+                    </a:ext>
+                  </a:extLst>
+                </p:cNvPr>
+                <p:cNvPicPr/>
+                <p:nvPr/>
+              </p:nvPicPr>
+              <p:blipFill>
+                <a:blip r:embed="rId17"/>
+                <a:stretch>
+                  <a:fillRect/>
+                </a:stretch>
+              </p:blipFill>
+              <p:spPr>
+                <a:xfrm>
+                  <a:off x="5922289" y="2513059"/>
+                  <a:ext cx="87120" cy="234360"/>
+                </a:xfrm>
+                <a:prstGeom prst="rect">
+                  <a:avLst/>
+                </a:prstGeom>
+              </p:spPr>
+            </p:pic>
+          </mc:Fallback>
+        </mc:AlternateContent>
+        <mc:AlternateContent xmlns:mc="http://schemas.openxmlformats.org/markup-compatibility/2006">
+          <mc:Choice xmlns:p14="http://schemas.microsoft.com/office/powerpoint/2010/main" Requires="p14">
+            <p:contentPart p14:bwMode="auto" r:id="rId18">
+              <p14:nvContentPartPr>
+                <p14:cNvPr id="12" name="Ink 11">
+                  <a:extLst>
+                    <a:ext uri="{FF2B5EF4-FFF2-40B4-BE49-F238E27FC236}">
+                      <a16:creationId xmlns:a16="http://schemas.microsoft.com/office/drawing/2014/main" id="{09EB6C43-5052-49F0-B83C-FC0A0C1D995C}"/>
+                    </a:ext>
+                  </a:extLst>
+                </p14:cNvPr>
+                <p14:cNvContentPartPr/>
+                <p14:nvPr/>
+              </p14:nvContentPartPr>
+              <p14:xfrm>
+                <a:off x="5996449" y="2640499"/>
+                <a:ext cx="96120" cy="128520"/>
+              </p14:xfrm>
+            </p:contentPart>
+          </mc:Choice>
+          <mc:Fallback>
+            <p:pic>
+              <p:nvPicPr>
+                <p:cNvPr id="12" name="Ink 11">
+                  <a:extLst>
+                    <a:ext uri="{FF2B5EF4-FFF2-40B4-BE49-F238E27FC236}">
+                      <a16:creationId xmlns:a16="http://schemas.microsoft.com/office/drawing/2014/main" id="{09EB6C43-5052-49F0-B83C-FC0A0C1D995C}"/>
+                    </a:ext>
+                  </a:extLst>
+                </p:cNvPr>
+                <p:cNvPicPr/>
+                <p:nvPr/>
+              </p:nvPicPr>
+              <p:blipFill>
+                <a:blip r:embed="rId19"/>
+                <a:stretch>
+                  <a:fillRect/>
+                </a:stretch>
+              </p:blipFill>
+              <p:spPr>
+                <a:xfrm>
+                  <a:off x="5987809" y="2631859"/>
+                  <a:ext cx="113760" cy="146160"/>
+                </a:xfrm>
+                <a:prstGeom prst="rect">
+                  <a:avLst/>
+                </a:prstGeom>
+              </p:spPr>
+            </p:pic>
+          </mc:Fallback>
+        </mc:AlternateContent>
+        <mc:AlternateContent xmlns:mc="http://schemas.openxmlformats.org/markup-compatibility/2006">
+          <mc:Choice xmlns:p14="http://schemas.microsoft.com/office/powerpoint/2010/main" Requires="p14">
+            <p:contentPart p14:bwMode="auto" r:id="rId20">
+              <p14:nvContentPartPr>
+                <p14:cNvPr id="13" name="Ink 12">
+                  <a:extLst>
+                    <a:ext uri="{FF2B5EF4-FFF2-40B4-BE49-F238E27FC236}">
+                      <a16:creationId xmlns:a16="http://schemas.microsoft.com/office/drawing/2014/main" id="{90DFE109-27EA-4C0C-AC04-C57597E1A2F6}"/>
+                    </a:ext>
+                  </a:extLst>
+                </p14:cNvPr>
+                <p14:cNvContentPartPr/>
+                <p14:nvPr/>
+              </p14:nvContentPartPr>
+              <p14:xfrm>
+                <a:off x="6160609" y="2621779"/>
+                <a:ext cx="141120" cy="121680"/>
+              </p14:xfrm>
+            </p:contentPart>
+          </mc:Choice>
+          <mc:Fallback>
+            <p:pic>
+              <p:nvPicPr>
+                <p:cNvPr id="13" name="Ink 12">
+                  <a:extLst>
+                    <a:ext uri="{FF2B5EF4-FFF2-40B4-BE49-F238E27FC236}">
+                      <a16:creationId xmlns:a16="http://schemas.microsoft.com/office/drawing/2014/main" id="{90DFE109-27EA-4C0C-AC04-C57597E1A2F6}"/>
+                    </a:ext>
+                  </a:extLst>
+                </p:cNvPr>
+                <p:cNvPicPr/>
+                <p:nvPr/>
+              </p:nvPicPr>
+              <p:blipFill>
+                <a:blip r:embed="rId21"/>
+                <a:stretch>
+                  <a:fillRect/>
+                </a:stretch>
+              </p:blipFill>
+              <p:spPr>
+                <a:xfrm>
+                  <a:off x="6151609" y="2613139"/>
+                  <a:ext cx="158760" cy="139320"/>
+                </a:xfrm>
+                <a:prstGeom prst="rect">
+                  <a:avLst/>
+                </a:prstGeom>
+              </p:spPr>
+            </p:pic>
+          </mc:Fallback>
+        </mc:AlternateContent>
+        <mc:AlternateContent xmlns:mc="http://schemas.openxmlformats.org/markup-compatibility/2006">
+          <mc:Choice xmlns:p14="http://schemas.microsoft.com/office/powerpoint/2010/main" Requires="p14">
+            <p:contentPart p14:bwMode="auto" r:id="rId22">
+              <p14:nvContentPartPr>
+                <p14:cNvPr id="14" name="Ink 13">
+                  <a:extLst>
+                    <a:ext uri="{FF2B5EF4-FFF2-40B4-BE49-F238E27FC236}">
+                      <a16:creationId xmlns:a16="http://schemas.microsoft.com/office/drawing/2014/main" id="{D41CA4C3-E6A3-4AD6-983D-9FE3A0535050}"/>
+                    </a:ext>
+                  </a:extLst>
+                </p14:cNvPr>
+                <p14:cNvContentPartPr/>
+                <p14:nvPr/>
+              </p14:nvContentPartPr>
+              <p14:xfrm>
+                <a:off x="6382369" y="2598379"/>
+                <a:ext cx="122040" cy="84240"/>
+              </p14:xfrm>
+            </p:contentPart>
+          </mc:Choice>
+          <mc:Fallback>
+            <p:pic>
+              <p:nvPicPr>
+                <p:cNvPr id="14" name="Ink 13">
+                  <a:extLst>
+                    <a:ext uri="{FF2B5EF4-FFF2-40B4-BE49-F238E27FC236}">
+                      <a16:creationId xmlns:a16="http://schemas.microsoft.com/office/drawing/2014/main" id="{D41CA4C3-E6A3-4AD6-983D-9FE3A0535050}"/>
+                    </a:ext>
+                  </a:extLst>
+                </p:cNvPr>
+                <p:cNvPicPr/>
+                <p:nvPr/>
+              </p:nvPicPr>
+              <p:blipFill>
+                <a:blip r:embed="rId23"/>
+                <a:stretch>
+                  <a:fillRect/>
+                </a:stretch>
+              </p:blipFill>
+              <p:spPr>
+                <a:xfrm>
+                  <a:off x="6373369" y="2589379"/>
+                  <a:ext cx="139680" cy="101880"/>
+                </a:xfrm>
+                <a:prstGeom prst="rect">
+                  <a:avLst/>
+                </a:prstGeom>
+              </p:spPr>
+            </p:pic>
+          </mc:Fallback>
+        </mc:AlternateContent>
+        <mc:AlternateContent xmlns:mc="http://schemas.openxmlformats.org/markup-compatibility/2006">
+          <mc:Choice xmlns:p14="http://schemas.microsoft.com/office/powerpoint/2010/main" Requires="p14">
+            <p:contentPart p14:bwMode="auto" r:id="rId24">
+              <p14:nvContentPartPr>
+                <p14:cNvPr id="15" name="Ink 14">
+                  <a:extLst>
+                    <a:ext uri="{FF2B5EF4-FFF2-40B4-BE49-F238E27FC236}">
+                      <a16:creationId xmlns:a16="http://schemas.microsoft.com/office/drawing/2014/main" id="{294C33AD-3198-4587-92AB-D9E019624EB4}"/>
+                    </a:ext>
+                  </a:extLst>
+                </p14:cNvPr>
+                <p14:cNvContentPartPr/>
+                <p14:nvPr/>
+              </p14:nvContentPartPr>
+              <p14:xfrm>
+                <a:off x="6506209" y="2605219"/>
+                <a:ext cx="136080" cy="133920"/>
+              </p14:xfrm>
+            </p:contentPart>
+          </mc:Choice>
+          <mc:Fallback>
+            <p:pic>
+              <p:nvPicPr>
+                <p:cNvPr id="15" name="Ink 14">
+                  <a:extLst>
+                    <a:ext uri="{FF2B5EF4-FFF2-40B4-BE49-F238E27FC236}">
+                      <a16:creationId xmlns:a16="http://schemas.microsoft.com/office/drawing/2014/main" id="{294C33AD-3198-4587-92AB-D9E019624EB4}"/>
+                    </a:ext>
+                  </a:extLst>
+                </p:cNvPr>
+                <p:cNvPicPr/>
+                <p:nvPr/>
+              </p:nvPicPr>
+              <p:blipFill>
+                <a:blip r:embed="rId25"/>
+                <a:stretch>
+                  <a:fillRect/>
+                </a:stretch>
+              </p:blipFill>
+              <p:spPr>
+                <a:xfrm>
+                  <a:off x="6497209" y="2596579"/>
+                  <a:ext cx="153720" cy="151560"/>
+                </a:xfrm>
+                <a:prstGeom prst="rect">
+                  <a:avLst/>
+                </a:prstGeom>
+              </p:spPr>
+            </p:pic>
+          </mc:Fallback>
+        </mc:AlternateContent>
+      </p:grpSp>
+      <mc:AlternateContent xmlns:mc="http://schemas.openxmlformats.org/markup-compatibility/2006">
+        <mc:Choice xmlns:p14="http://schemas.microsoft.com/office/powerpoint/2010/main" Requires="p14">
+          <p:contentPart p14:bwMode="auto" r:id="rId26">
+            <p14:nvContentPartPr>
+              <p14:cNvPr id="17" name="Ink 16">
+                <a:extLst>
+                  <a:ext uri="{FF2B5EF4-FFF2-40B4-BE49-F238E27FC236}">
+                    <a16:creationId xmlns:a16="http://schemas.microsoft.com/office/drawing/2014/main" id="{38C10848-D124-41DF-89DC-40EB07F76083}"/>
+                  </a:ext>
+                </a:extLst>
+              </p14:cNvPr>
+              <p14:cNvContentPartPr/>
+              <p14:nvPr/>
+            </p14:nvContentPartPr>
+            <p14:xfrm>
+              <a:off x="3481849" y="3265099"/>
+              <a:ext cx="779040" cy="28440"/>
+            </p14:xfrm>
+          </p:contentPart>
+        </mc:Choice>
+        <mc:Fallback>
+          <p:pic>
+            <p:nvPicPr>
+              <p:cNvPr id="17" name="Ink 16">
+                <a:extLst>
+                  <a:ext uri="{FF2B5EF4-FFF2-40B4-BE49-F238E27FC236}">
+                    <a16:creationId xmlns:a16="http://schemas.microsoft.com/office/drawing/2014/main" id="{38C10848-D124-41DF-89DC-40EB07F76083}"/>
+                  </a:ext>
+                </a:extLst>
+              </p:cNvPr>
+              <p:cNvPicPr/>
+              <p:nvPr/>
+            </p:nvPicPr>
+            <p:blipFill>
+              <a:blip r:embed="rId27"/>
+              <a:stretch>
+                <a:fillRect/>
+              </a:stretch>
+            </p:blipFill>
+            <p:spPr>
+              <a:xfrm>
+                <a:off x="3473209" y="3256459"/>
+                <a:ext cx="796680" cy="46080"/>
+              </a:xfrm>
+              <a:prstGeom prst="rect">
+                <a:avLst/>
+              </a:prstGeom>
+            </p:spPr>
+          </p:pic>
+        </mc:Fallback>
+      </mc:AlternateContent>
+      <p:grpSp>
+        <p:nvGrpSpPr>
+          <p:cNvPr id="20" name="Group 19">
+            <a:extLst>
+              <a:ext uri="{FF2B5EF4-FFF2-40B4-BE49-F238E27FC236}">
+                <a16:creationId xmlns:a16="http://schemas.microsoft.com/office/drawing/2014/main" id="{346D8FE2-62A3-4B28-93B7-52A74CF31CC0}"/>
+              </a:ext>
+            </a:extLst>
+          </p:cNvPr>
+          <p:cNvGrpSpPr/>
+          <p:nvPr/>
+        </p:nvGrpSpPr>
+        <p:grpSpPr>
+          <a:xfrm>
+            <a:off x="528769" y="3344659"/>
+            <a:ext cx="160920" cy="1326240"/>
+            <a:chOff x="528769" y="3344659"/>
+            <a:chExt cx="160920" cy="1326240"/>
+          </a:xfrm>
+        </p:grpSpPr>
+        <mc:AlternateContent xmlns:mc="http://schemas.openxmlformats.org/markup-compatibility/2006">
+          <mc:Choice xmlns:p14="http://schemas.microsoft.com/office/powerpoint/2010/main" Requires="p14">
+            <p:contentPart p14:bwMode="auto" r:id="rId28">
+              <p14:nvContentPartPr>
+                <p14:cNvPr id="18" name="Ink 17">
+                  <a:extLst>
+                    <a:ext uri="{FF2B5EF4-FFF2-40B4-BE49-F238E27FC236}">
+                      <a16:creationId xmlns:a16="http://schemas.microsoft.com/office/drawing/2014/main" id="{1C865158-AFB3-4336-BE8D-1D7F587EA2E8}"/>
+                    </a:ext>
+                  </a:extLst>
+                </p14:cNvPr>
+                <p14:cNvContentPartPr/>
+                <p14:nvPr/>
+              </p14:nvContentPartPr>
+              <p14:xfrm>
+                <a:off x="584929" y="3344659"/>
+                <a:ext cx="104760" cy="57240"/>
+              </p14:xfrm>
+            </p:contentPart>
+          </mc:Choice>
+          <mc:Fallback>
+            <p:pic>
+              <p:nvPicPr>
+                <p:cNvPr id="18" name="Ink 17">
+                  <a:extLst>
+                    <a:ext uri="{FF2B5EF4-FFF2-40B4-BE49-F238E27FC236}">
+                      <a16:creationId xmlns:a16="http://schemas.microsoft.com/office/drawing/2014/main" id="{1C865158-AFB3-4336-BE8D-1D7F587EA2E8}"/>
+                    </a:ext>
+                  </a:extLst>
+                </p:cNvPr>
+                <p:cNvPicPr/>
+                <p:nvPr/>
+              </p:nvPicPr>
+              <p:blipFill>
+                <a:blip r:embed="rId29"/>
+                <a:stretch>
+                  <a:fillRect/>
+                </a:stretch>
+              </p:blipFill>
+              <p:spPr>
+                <a:xfrm>
+                  <a:off x="576289" y="3335659"/>
+                  <a:ext cx="122400" cy="74880"/>
+                </a:xfrm>
+                <a:prstGeom prst="rect">
+                  <a:avLst/>
+                </a:prstGeom>
+              </p:spPr>
+            </p:pic>
+          </mc:Fallback>
+        </mc:AlternateContent>
+        <mc:AlternateContent xmlns:mc="http://schemas.openxmlformats.org/markup-compatibility/2006">
+          <mc:Choice xmlns:p14="http://schemas.microsoft.com/office/powerpoint/2010/main" Requires="p14">
+            <p:contentPart p14:bwMode="auto" r:id="rId30">
+              <p14:nvContentPartPr>
+                <p14:cNvPr id="19" name="Ink 18">
+                  <a:extLst>
+                    <a:ext uri="{FF2B5EF4-FFF2-40B4-BE49-F238E27FC236}">
+                      <a16:creationId xmlns:a16="http://schemas.microsoft.com/office/drawing/2014/main" id="{12A26B6A-C313-4D6B-9057-E19B61DF7162}"/>
+                    </a:ext>
+                  </a:extLst>
+                </p14:cNvPr>
+                <p14:cNvContentPartPr/>
+                <p14:nvPr/>
+              </p14:nvContentPartPr>
+              <p14:xfrm>
+                <a:off x="528769" y="3424939"/>
+                <a:ext cx="158760" cy="1245960"/>
+              </p14:xfrm>
+            </p:contentPart>
+          </mc:Choice>
+          <mc:Fallback>
+            <p:pic>
+              <p:nvPicPr>
+                <p:cNvPr id="19" name="Ink 18">
+                  <a:extLst>
+                    <a:ext uri="{FF2B5EF4-FFF2-40B4-BE49-F238E27FC236}">
+                      <a16:creationId xmlns:a16="http://schemas.microsoft.com/office/drawing/2014/main" id="{12A26B6A-C313-4D6B-9057-E19B61DF7162}"/>
+                    </a:ext>
+                  </a:extLst>
+                </p:cNvPr>
+                <p:cNvPicPr/>
+                <p:nvPr/>
+              </p:nvPicPr>
+              <p:blipFill>
+                <a:blip r:embed="rId31"/>
+                <a:stretch>
+                  <a:fillRect/>
+                </a:stretch>
+              </p:blipFill>
+              <p:spPr>
+                <a:xfrm>
+                  <a:off x="520129" y="3415939"/>
+                  <a:ext cx="176400" cy="1263600"/>
+                </a:xfrm>
+                <a:prstGeom prst="rect">
+                  <a:avLst/>
+                </a:prstGeom>
+              </p:spPr>
+            </p:pic>
+          </mc:Fallback>
+        </mc:AlternateContent>
+      </p:grpSp>
+      <mc:AlternateContent xmlns:mc="http://schemas.openxmlformats.org/markup-compatibility/2006">
+        <mc:Choice xmlns:p14="http://schemas.microsoft.com/office/powerpoint/2010/main" Requires="p14">
+          <p:contentPart p14:bwMode="auto" r:id="rId32">
+            <p14:nvContentPartPr>
+              <p14:cNvPr id="21" name="Ink 20">
+                <a:extLst>
+                  <a:ext uri="{FF2B5EF4-FFF2-40B4-BE49-F238E27FC236}">
+                    <a16:creationId xmlns:a16="http://schemas.microsoft.com/office/drawing/2014/main" id="{4C46DA19-2899-47C1-A08A-037D058D300D}"/>
+                  </a:ext>
+                </a:extLst>
+              </p14:cNvPr>
+              <p14:cNvContentPartPr/>
+              <p14:nvPr/>
+            </p14:nvContentPartPr>
+            <p14:xfrm>
+              <a:off x="2377369" y="3958099"/>
+              <a:ext cx="216000" cy="22320"/>
+            </p14:xfrm>
+          </p:contentPart>
+        </mc:Choice>
+        <mc:Fallback>
+          <p:pic>
+            <p:nvPicPr>
+              <p:cNvPr id="21" name="Ink 20">
+                <a:extLst>
+                  <a:ext uri="{FF2B5EF4-FFF2-40B4-BE49-F238E27FC236}">
+                    <a16:creationId xmlns:a16="http://schemas.microsoft.com/office/drawing/2014/main" id="{4C46DA19-2899-47C1-A08A-037D058D300D}"/>
+                  </a:ext>
+                </a:extLst>
+              </p:cNvPr>
+              <p:cNvPicPr/>
+              <p:nvPr/>
+            </p:nvPicPr>
+            <p:blipFill>
+              <a:blip r:embed="rId33"/>
+              <a:stretch>
+                <a:fillRect/>
+              </a:stretch>
+            </p:blipFill>
+            <p:spPr>
+              <a:xfrm>
+                <a:off x="2368369" y="3949459"/>
+                <a:ext cx="233640" cy="39960"/>
+              </a:xfrm>
+              <a:prstGeom prst="rect">
+                <a:avLst/>
+              </a:prstGeom>
+            </p:spPr>
+          </p:pic>
+        </mc:Fallback>
+      </mc:AlternateContent>
+      <mc:AlternateContent xmlns:mc="http://schemas.openxmlformats.org/markup-compatibility/2006">
+        <mc:Choice xmlns:p14="http://schemas.microsoft.com/office/powerpoint/2010/main" Requires="p14">
+          <p:contentPart p14:bwMode="auto" r:id="rId34">
+            <p14:nvContentPartPr>
+              <p14:cNvPr id="22" name="Ink 21">
+                <a:extLst>
+                  <a:ext uri="{FF2B5EF4-FFF2-40B4-BE49-F238E27FC236}">
+                    <a16:creationId xmlns:a16="http://schemas.microsoft.com/office/drawing/2014/main" id="{FD54C9B5-DB85-413C-B2B3-53DFFB25B01D}"/>
+                  </a:ext>
+                </a:extLst>
+              </p14:cNvPr>
+              <p14:cNvContentPartPr/>
+              <p14:nvPr/>
+            </p14:nvContentPartPr>
+            <p14:xfrm>
+              <a:off x="2366209" y="4234219"/>
+              <a:ext cx="180720" cy="13680"/>
+            </p14:xfrm>
+          </p:contentPart>
+        </mc:Choice>
+        <mc:Fallback>
+          <p:pic>
+            <p:nvPicPr>
+              <p:cNvPr id="22" name="Ink 21">
+                <a:extLst>
+                  <a:ext uri="{FF2B5EF4-FFF2-40B4-BE49-F238E27FC236}">
+                    <a16:creationId xmlns:a16="http://schemas.microsoft.com/office/drawing/2014/main" id="{FD54C9B5-DB85-413C-B2B3-53DFFB25B01D}"/>
+                  </a:ext>
+                </a:extLst>
+              </p:cNvPr>
+              <p:cNvPicPr/>
+              <p:nvPr/>
+            </p:nvPicPr>
+            <p:blipFill>
+              <a:blip r:embed="rId35"/>
+              <a:stretch>
+                <a:fillRect/>
+              </a:stretch>
+            </p:blipFill>
+            <p:spPr>
+              <a:xfrm>
+                <a:off x="2357569" y="4225219"/>
+                <a:ext cx="198360" cy="31320"/>
+              </a:xfrm>
+              <a:prstGeom prst="rect">
+                <a:avLst/>
+              </a:prstGeom>
+            </p:spPr>
+          </p:pic>
+        </mc:Fallback>
+      </mc:AlternateContent>
+      <mc:AlternateContent xmlns:mc="http://schemas.openxmlformats.org/markup-compatibility/2006">
+        <mc:Choice xmlns:p14="http://schemas.microsoft.com/office/powerpoint/2010/main" Requires="p14">
+          <p:contentPart p14:bwMode="auto" r:id="rId36">
+            <p14:nvContentPartPr>
+              <p14:cNvPr id="23" name="Ink 22">
+                <a:extLst>
+                  <a:ext uri="{FF2B5EF4-FFF2-40B4-BE49-F238E27FC236}">
+                    <a16:creationId xmlns:a16="http://schemas.microsoft.com/office/drawing/2014/main" id="{19CF113E-0CC5-480E-A7A1-022CB405C623}"/>
+                  </a:ext>
+                </a:extLst>
+              </p14:cNvPr>
+              <p14:cNvContentPartPr/>
+              <p14:nvPr/>
+            </p14:nvContentPartPr>
+            <p14:xfrm>
+              <a:off x="3204649" y="4542019"/>
+              <a:ext cx="894240" cy="36000"/>
+            </p14:xfrm>
+          </p:contentPart>
+        </mc:Choice>
+        <mc:Fallback>
+          <p:pic>
+            <p:nvPicPr>
+              <p:cNvPr id="23" name="Ink 22">
+                <a:extLst>
+                  <a:ext uri="{FF2B5EF4-FFF2-40B4-BE49-F238E27FC236}">
+                    <a16:creationId xmlns:a16="http://schemas.microsoft.com/office/drawing/2014/main" id="{19CF113E-0CC5-480E-A7A1-022CB405C623}"/>
+                  </a:ext>
+                </a:extLst>
+              </p:cNvPr>
+              <p:cNvPicPr/>
+              <p:nvPr/>
+            </p:nvPicPr>
+            <p:blipFill>
+              <a:blip r:embed="rId37"/>
+              <a:stretch>
+                <a:fillRect/>
+              </a:stretch>
+            </p:blipFill>
+            <p:spPr>
+              <a:xfrm>
+                <a:off x="3196009" y="4533379"/>
+                <a:ext cx="911880" cy="53640"/>
+              </a:xfrm>
+              <a:prstGeom prst="rect">
+                <a:avLst/>
+              </a:prstGeom>
+            </p:spPr>
+          </p:pic>
+        </mc:Fallback>
+      </mc:AlternateContent>
     </p:spTree>
     <p:extLst>
       <p:ext uri="{BB962C8B-B14F-4D97-AF65-F5344CB8AC3E}">
@@ -4309,6 +5878,57 @@
           </a:p>
         </p:txBody>
       </p:sp>
+      <mc:AlternateContent xmlns:mc="http://schemas.openxmlformats.org/markup-compatibility/2006">
+        <mc:Choice xmlns:p14="http://schemas.microsoft.com/office/powerpoint/2010/main" Requires="p14">
+          <p:contentPart p14:bwMode="auto" r:id="rId2">
+            <p14:nvContentPartPr>
+              <p14:cNvPr id="4" name="Ink 3">
+                <a:extLst>
+                  <a:ext uri="{FF2B5EF4-FFF2-40B4-BE49-F238E27FC236}">
+                    <a16:creationId xmlns:a16="http://schemas.microsoft.com/office/drawing/2014/main" id="{DF5C25CB-BD74-4BFD-A349-1A0763EA47A9}"/>
+                  </a:ext>
+                </a:extLst>
+              </p14:cNvPr>
+              <p14:cNvContentPartPr/>
+              <p14:nvPr/>
+            </p14:nvContentPartPr>
+            <p14:xfrm>
+              <a:off x="726049" y="1536739"/>
+              <a:ext cx="35640" cy="60840"/>
+            </p14:xfrm>
+          </p:contentPart>
+        </mc:Choice>
+        <mc:Fallback>
+          <p:pic>
+            <p:nvPicPr>
+              <p:cNvPr id="4" name="Ink 3">
+                <a:extLst>
+                  <a:ext uri="{FF2B5EF4-FFF2-40B4-BE49-F238E27FC236}">
+                    <a16:creationId xmlns:a16="http://schemas.microsoft.com/office/drawing/2014/main" id="{DF5C25CB-BD74-4BFD-A349-1A0763EA47A9}"/>
+                  </a:ext>
+                </a:extLst>
+              </p:cNvPr>
+              <p:cNvPicPr/>
+              <p:nvPr/>
+            </p:nvPicPr>
+            <p:blipFill>
+              <a:blip r:embed="rId3"/>
+              <a:stretch>
+                <a:fillRect/>
+              </a:stretch>
+            </p:blipFill>
+            <p:spPr>
+              <a:xfrm>
+                <a:off x="717409" y="1528099"/>
+                <a:ext cx="53280" cy="78480"/>
+              </a:xfrm>
+              <a:prstGeom prst="rect">
+                <a:avLst/>
+              </a:prstGeom>
+            </p:spPr>
+          </p:pic>
+        </mc:Fallback>
+      </mc:AlternateContent>
     </p:spTree>
     <p:extLst>
       <p:ext uri="{BB962C8B-B14F-4D97-AF65-F5344CB8AC3E}">
